--- a/Group 5-Final Project.pptx
+++ b/Group 5-Final Project.pptx
@@ -5,22 +5,27 @@
     <p:sldMasterId id="2147483702" r:id="rId1"/>
   </p:sldMasterIdLst>
   <p:notesMasterIdLst>
-    <p:notesMasterId r:id="rId15"/>
+    <p:notesMasterId r:id="rId20"/>
   </p:notesMasterIdLst>
   <p:sldIdLst>
     <p:sldId id="268" r:id="rId2"/>
     <p:sldId id="266" r:id="rId3"/>
     <p:sldId id="267" r:id="rId4"/>
-    <p:sldId id="258" r:id="rId5"/>
-    <p:sldId id="259" r:id="rId6"/>
-    <p:sldId id="260" r:id="rId7"/>
-    <p:sldId id="261" r:id="rId8"/>
-    <p:sldId id="262" r:id="rId9"/>
-    <p:sldId id="263" r:id="rId10"/>
-    <p:sldId id="265" r:id="rId11"/>
-    <p:sldId id="264" r:id="rId12"/>
-    <p:sldId id="275" r:id="rId13"/>
-    <p:sldId id="256" r:id="rId14"/>
+    <p:sldId id="276" r:id="rId5"/>
+    <p:sldId id="277" r:id="rId6"/>
+    <p:sldId id="278" r:id="rId7"/>
+    <p:sldId id="279" r:id="rId8"/>
+    <p:sldId id="280" r:id="rId9"/>
+    <p:sldId id="258" r:id="rId10"/>
+    <p:sldId id="259" r:id="rId11"/>
+    <p:sldId id="260" r:id="rId12"/>
+    <p:sldId id="261" r:id="rId13"/>
+    <p:sldId id="262" r:id="rId14"/>
+    <p:sldId id="263" r:id="rId15"/>
+    <p:sldId id="265" r:id="rId16"/>
+    <p:sldId id="264" r:id="rId17"/>
+    <p:sldId id="275" r:id="rId18"/>
+    <p:sldId id="256" r:id="rId19"/>
   </p:sldIdLst>
   <p:sldSz cx="12192000" cy="6858000"/>
   <p:notesSz cx="6858000" cy="9144000"/>
@@ -10347,7 +10352,7 @@
         <p:spPr>
           <a:xfrm>
             <a:off x="8097078" y="5247861"/>
-            <a:ext cx="2420791" cy="1169551"/>
+            <a:ext cx="2504147" cy="1384995"/>
           </a:xfrm>
           <a:prstGeom prst="rect">
             <a:avLst/>
@@ -10363,11 +10368,13 @@
             <a:r>
               <a:rPr lang="en-IN" sz="1400" b="1" dirty="0">
                 <a:solidFill>
-                  <a:schemeClr val="accent1"/>
+                  <a:schemeClr val="bg1"/>
                 </a:solidFill>
               </a:rPr>
               <a:t>Submitted By: </a:t>
             </a:r>
+          </a:p>
+          <a:p>
             <a:r>
               <a:rPr lang="en-IN" sz="1400" b="1" dirty="0" err="1">
                 <a:solidFill>
@@ -10376,6 +10383,22 @@
               </a:rPr>
               <a:t>Ramprakash</a:t>
             </a:r>
+            <a:r>
+              <a:rPr lang="en-IN" sz="1400" b="1" dirty="0">
+                <a:solidFill>
+                  <a:schemeClr val="accent1"/>
+                </a:solidFill>
+              </a:rPr>
+              <a:t> </a:t>
+            </a:r>
+            <a:r>
+              <a:rPr lang="en-IN" sz="1400" b="1" dirty="0" err="1">
+                <a:solidFill>
+                  <a:schemeClr val="accent1"/>
+                </a:solidFill>
+              </a:rPr>
+              <a:t>Lakshminathan</a:t>
+            </a:r>
             <a:endParaRPr lang="en-IN" sz="1400" b="1" dirty="0">
               <a:solidFill>
                 <a:schemeClr val="accent1"/>
@@ -10389,7 +10412,7 @@
                   <a:schemeClr val="accent1"/>
                 </a:solidFill>
               </a:rPr>
-              <a:t>Submitted By: Sai </a:t>
+              <a:t>Sai </a:t>
             </a:r>
             <a:r>
               <a:rPr lang="en-IN" sz="1400" b="1" dirty="0" err="1">
@@ -10399,6 +10422,22 @@
               </a:rPr>
               <a:t>Pranank</a:t>
             </a:r>
+            <a:r>
+              <a:rPr lang="en-IN" sz="1400" b="1" dirty="0">
+                <a:solidFill>
+                  <a:schemeClr val="accent1"/>
+                </a:solidFill>
+              </a:rPr>
+              <a:t> </a:t>
+            </a:r>
+            <a:r>
+              <a:rPr lang="en-IN" sz="1400" b="1" dirty="0" err="1">
+                <a:solidFill>
+                  <a:schemeClr val="accent1"/>
+                </a:solidFill>
+              </a:rPr>
+              <a:t>Batthini</a:t>
+            </a:r>
             <a:endParaRPr lang="en-IN" sz="1400" b="1" dirty="0">
               <a:solidFill>
                 <a:schemeClr val="accent1"/>
@@ -10412,27 +10451,51 @@
                   <a:schemeClr val="accent1"/>
                 </a:solidFill>
               </a:rPr>
-              <a:t>Submitted By: Sesha Sai</a:t>
-            </a:r>
-          </a:p>
-          <a:p>
+              <a:t>Sesha Sai Gopal</a:t>
+            </a:r>
+          </a:p>
+          <a:p>
+            <a:r>
+              <a:rPr lang="en-IN" sz="1400" b="1">
+                <a:solidFill>
+                  <a:schemeClr val="bg1"/>
+                </a:solidFill>
+              </a:rPr>
+              <a:t>Group:</a:t>
+            </a:r>
+            <a:r>
+              <a:rPr lang="en-IN" sz="1400" b="1">
+                <a:solidFill>
+                  <a:schemeClr val="accent1"/>
+                </a:solidFill>
+              </a:rPr>
+              <a:t> </a:t>
+            </a:r>
             <a:r>
               <a:rPr lang="en-IN" sz="1400" b="1" dirty="0">
                 <a:solidFill>
                   <a:schemeClr val="accent1"/>
                 </a:solidFill>
               </a:rPr>
-              <a:t>Group : 5</a:t>
-            </a:r>
-          </a:p>
-          <a:p>
+              <a:t>5</a:t>
+            </a:r>
+          </a:p>
+          <a:p>
+            <a:r>
+              <a:rPr lang="en-IN" sz="1400" b="1" dirty="0">
+                <a:solidFill>
+                  <a:schemeClr val="bg1"/>
+                </a:solidFill>
+              </a:rPr>
+              <a:t>Time-Table:</a:t>
+            </a:r>
             <a:r>
               <a:rPr lang="en-IN" sz="1400" b="1" dirty="0">
                 <a:solidFill>
                   <a:schemeClr val="accent1"/>
                 </a:solidFill>
               </a:rPr>
-              <a:t>Time-Table : A</a:t>
+              <a:t> A</a:t>
             </a:r>
           </a:p>
         </p:txBody>
@@ -10558,7 +10621,7 @@
           <p:cNvPr id="5" name="TextBox 4">
             <a:extLst>
               <a:ext uri="{FF2B5EF4-FFF2-40B4-BE49-F238E27FC236}">
-                <a16:creationId xmlns:a16="http://schemas.microsoft.com/office/drawing/2014/main" id="{D35C3169-A67D-49D5-8276-940218292A2A}"/>
+                <a16:creationId xmlns:a16="http://schemas.microsoft.com/office/drawing/2014/main" id="{6DDECEF3-2DDC-4FC3-B207-A480235355DD}"/>
               </a:ext>
             </a:extLst>
           </p:cNvPr>
@@ -10567,8 +10630,8 @@
         </p:nvSpPr>
         <p:spPr>
           <a:xfrm>
-            <a:off x="1094296" y="2613392"/>
-            <a:ext cx="9633337" cy="1631216"/>
+            <a:off x="861390" y="2698329"/>
+            <a:ext cx="10111408" cy="2246769"/>
           </a:xfrm>
           <a:prstGeom prst="rect">
             <a:avLst/>
@@ -10583,7 +10646,7 @@
           <a:p>
             <a:r>
               <a:rPr lang="en-IN" sz="2000" dirty="0"/>
-              <a:t>We can utilise RDBMS to access the data anytime we need it, and we can replicate the data across numerous servers in various places.</a:t>
+              <a:t>SFTP is the most popular of all the various protocols for transferring personal data, despite the fact that there are many others.</a:t>
             </a:r>
           </a:p>
           <a:p>
@@ -10592,7 +10655,16 @@
           <a:p>
             <a:r>
               <a:rPr lang="en-IN" sz="2000" dirty="0"/>
-              <a:t>Data can be stored in numerous places using Oracle database features like striping and mirroring, for instance. Both easier access and more data security are provided by this.</a:t>
+              <a:t>The most secure authentication method, which includes complex passwords and SSH keys, is used by SFTP.</a:t>
+            </a:r>
+          </a:p>
+          <a:p>
+            <a:endParaRPr lang="en-IN" sz="2000" dirty="0"/>
+          </a:p>
+          <a:p>
+            <a:r>
+              <a:rPr lang="en-IN" sz="2000" dirty="0"/>
+              <a:t>An application-level protocol called HTTP enables communication across various systems.</a:t>
             </a:r>
           </a:p>
         </p:txBody>
@@ -10602,7 +10674,7 @@
           <p:cNvPr id="7" name="TextBox 6">
             <a:extLst>
               <a:ext uri="{FF2B5EF4-FFF2-40B4-BE49-F238E27FC236}">
-                <a16:creationId xmlns:a16="http://schemas.microsoft.com/office/drawing/2014/main" id="{7BBB538B-C6D5-5A1A-7C12-1FD645746D6B}"/>
+                <a16:creationId xmlns:a16="http://schemas.microsoft.com/office/drawing/2014/main" id="{01E2C534-8642-0B8C-F052-92F2D172041D}"/>
               </a:ext>
             </a:extLst>
           </p:cNvPr>
@@ -10611,7 +10683,7 @@
         </p:nvSpPr>
         <p:spPr>
           <a:xfrm>
-            <a:off x="1564720" y="1106756"/>
+            <a:off x="907773" y="1111029"/>
             <a:ext cx="10376453" cy="400110"/>
           </a:xfrm>
           <a:prstGeom prst="rect">
@@ -10631,7 +10703,7 @@
                   <a:schemeClr val="accent1"/>
                 </a:solidFill>
               </a:rPr>
-              <a:t>7. How should we store our data in our many locations?</a:t>
+              <a:t>2. What security protocol is best for transferring personal files?</a:t>
             </a:r>
             <a:endParaRPr lang="en-IN" b="1" dirty="0">
               <a:solidFill>
@@ -10644,7 +10716,7 @@
     </p:spTree>
     <p:extLst>
       <p:ext uri="{BB962C8B-B14F-4D97-AF65-F5344CB8AC3E}">
-        <p14:creationId xmlns:p14="http://schemas.microsoft.com/office/powerpoint/2010/main" val="2674102251"/>
+        <p14:creationId xmlns:p14="http://schemas.microsoft.com/office/powerpoint/2010/main" val="2423158273"/>
       </p:ext>
     </p:extLst>
   </p:cSld>
@@ -10673,6 +10745,618 @@
       </p:grpSpPr>
       <p:sp>
         <p:nvSpPr>
+          <p:cNvPr id="5" name="TextBox 4">
+            <a:extLst>
+              <a:ext uri="{FF2B5EF4-FFF2-40B4-BE49-F238E27FC236}">
+                <a16:creationId xmlns:a16="http://schemas.microsoft.com/office/drawing/2014/main" id="{D1B9F62B-5A8D-47E1-B3F2-70C25C8C731E}"/>
+              </a:ext>
+            </a:extLst>
+          </p:cNvPr>
+          <p:cNvSpPr txBox="1"/>
+          <p:nvPr/>
+        </p:nvSpPr>
+        <p:spPr>
+          <a:xfrm>
+            <a:off x="1060173" y="2199861"/>
+            <a:ext cx="9886123" cy="2554545"/>
+          </a:xfrm>
+          <a:prstGeom prst="rect">
+            <a:avLst/>
+          </a:prstGeom>
+          <a:noFill/>
+        </p:spPr>
+        <p:txBody>
+          <a:bodyPr wrap="square">
+            <a:spAutoFit/>
+          </a:bodyPr>
+          <a:lstStyle/>
+          <a:p>
+            <a:r>
+              <a:rPr lang="en-IN" sz="2000" dirty="0"/>
+              <a:t>Yes, using various encryption algorithms, photos may be encoded and encrypted.</a:t>
+            </a:r>
+          </a:p>
+          <a:p>
+            <a:endParaRPr lang="en-IN" sz="2000" dirty="0"/>
+          </a:p>
+          <a:p>
+            <a:r>
+              <a:rPr lang="en-IN" sz="2000" dirty="0"/>
+              <a:t>We can utilize third-party encryption technologies that randomly rearrange image pixels in accordance with computational logic, and then at the receiver's end, decode the image using the same logic.</a:t>
+            </a:r>
+          </a:p>
+          <a:p>
+            <a:endParaRPr lang="en-IN" sz="2000" dirty="0"/>
+          </a:p>
+          <a:p>
+            <a:r>
+              <a:rPr lang="en-IN" sz="2000" dirty="0"/>
+              <a:t>Alternately, we might design our own tool using encryption and decryption algorithms.</a:t>
+            </a:r>
+          </a:p>
+          <a:p>
+            <a:endParaRPr lang="en-IN" sz="2000" dirty="0"/>
+          </a:p>
+        </p:txBody>
+      </p:sp>
+      <p:sp>
+        <p:nvSpPr>
+          <p:cNvPr id="7" name="TextBox 6">
+            <a:extLst>
+              <a:ext uri="{FF2B5EF4-FFF2-40B4-BE49-F238E27FC236}">
+                <a16:creationId xmlns:a16="http://schemas.microsoft.com/office/drawing/2014/main" id="{78C30FAC-C321-DF4E-A9DB-509AA4794073}"/>
+              </a:ext>
+            </a:extLst>
+          </p:cNvPr>
+          <p:cNvSpPr txBox="1"/>
+          <p:nvPr/>
+        </p:nvSpPr>
+        <p:spPr>
+          <a:xfrm>
+            <a:off x="2807594" y="1093274"/>
+            <a:ext cx="10376453" cy="400110"/>
+          </a:xfrm>
+          <a:prstGeom prst="rect">
+            <a:avLst/>
+          </a:prstGeom>
+          <a:noFill/>
+        </p:spPr>
+        <p:txBody>
+          <a:bodyPr wrap="square">
+            <a:spAutoFit/>
+          </a:bodyPr>
+          <a:lstStyle/>
+          <a:p>
+            <a:r>
+              <a:rPr lang="en-IN" sz="2000" b="1" dirty="0">
+                <a:solidFill>
+                  <a:schemeClr val="accent1"/>
+                </a:solidFill>
+              </a:rPr>
+              <a:t>3. Can we encode and encrypt images?</a:t>
+            </a:r>
+            <a:endParaRPr lang="en-IN" b="1" dirty="0">
+              <a:solidFill>
+                <a:schemeClr val="accent1"/>
+              </a:solidFill>
+            </a:endParaRPr>
+          </a:p>
+        </p:txBody>
+      </p:sp>
+    </p:spTree>
+    <p:extLst>
+      <p:ext uri="{BB962C8B-B14F-4D97-AF65-F5344CB8AC3E}">
+        <p14:creationId xmlns:p14="http://schemas.microsoft.com/office/powerpoint/2010/main" val="285387217"/>
+      </p:ext>
+    </p:extLst>
+  </p:cSld>
+  <p:clrMapOvr>
+    <a:masterClrMapping/>
+  </p:clrMapOvr>
+</p:sld>
+</file>
+
+<file path=ppt/slides/slide12.xml><?xml version="1.0" encoding="utf-8"?>
+<p:sld xmlns:a="http://schemas.openxmlformats.org/drawingml/2006/main" xmlns:r="http://schemas.openxmlformats.org/officeDocument/2006/relationships" xmlns:p="http://schemas.openxmlformats.org/presentationml/2006/main">
+  <p:cSld>
+    <p:spTree>
+      <p:nvGrpSpPr>
+        <p:cNvPr id="1" name=""/>
+        <p:cNvGrpSpPr/>
+        <p:nvPr/>
+      </p:nvGrpSpPr>
+      <p:grpSpPr>
+        <a:xfrm>
+          <a:off x="0" y="0"/>
+          <a:ext cx="0" cy="0"/>
+          <a:chOff x="0" y="0"/>
+          <a:chExt cx="0" cy="0"/>
+        </a:xfrm>
+      </p:grpSpPr>
+      <p:sp>
+        <p:nvSpPr>
+          <p:cNvPr id="8" name="TextBox 7">
+            <a:extLst>
+              <a:ext uri="{FF2B5EF4-FFF2-40B4-BE49-F238E27FC236}">
+                <a16:creationId xmlns:a16="http://schemas.microsoft.com/office/drawing/2014/main" id="{684DAC51-DD74-4AED-B18B-52779B54FE2A}"/>
+              </a:ext>
+            </a:extLst>
+          </p:cNvPr>
+          <p:cNvSpPr txBox="1"/>
+          <p:nvPr/>
+        </p:nvSpPr>
+        <p:spPr>
+          <a:xfrm>
+            <a:off x="622336" y="3249647"/>
+            <a:ext cx="10230680" cy="1631216"/>
+          </a:xfrm>
+          <a:prstGeom prst="rect">
+            <a:avLst/>
+          </a:prstGeom>
+          <a:noFill/>
+        </p:spPr>
+        <p:txBody>
+          <a:bodyPr wrap="square">
+            <a:spAutoFit/>
+          </a:bodyPr>
+          <a:lstStyle/>
+          <a:p>
+            <a:r>
+              <a:rPr lang="en-IN" sz="2000" dirty="0"/>
+              <a:t>If we need to use an external API to access the database, we must ensure that our data is being accessed correctly and is secure against unauthorised access.</a:t>
+            </a:r>
+          </a:p>
+          <a:p>
+            <a:r>
+              <a:rPr lang="en-IN" sz="2000" dirty="0"/>
+              <a:t>Our backend and frontend work can be securely relocated using a cloud service thanks to the architecture used for a secure API.</a:t>
+            </a:r>
+            <a:endParaRPr lang="en-US" sz="2000" dirty="0"/>
+          </a:p>
+          <a:p>
+            <a:endParaRPr lang="en-IN" sz="2000" dirty="0"/>
+          </a:p>
+        </p:txBody>
+      </p:sp>
+      <p:sp>
+        <p:nvSpPr>
+          <p:cNvPr id="4" name="TextBox 3">
+            <a:extLst>
+              <a:ext uri="{FF2B5EF4-FFF2-40B4-BE49-F238E27FC236}">
+                <a16:creationId xmlns:a16="http://schemas.microsoft.com/office/drawing/2014/main" id="{4E165B04-9E6E-9F46-0AC3-D1D286329330}"/>
+              </a:ext>
+            </a:extLst>
+          </p:cNvPr>
+          <p:cNvSpPr txBox="1"/>
+          <p:nvPr/>
+        </p:nvSpPr>
+        <p:spPr>
+          <a:xfrm>
+            <a:off x="126538" y="968986"/>
+            <a:ext cx="10376453" cy="707886"/>
+          </a:xfrm>
+          <a:prstGeom prst="rect">
+            <a:avLst/>
+          </a:prstGeom>
+          <a:noFill/>
+        </p:spPr>
+        <p:txBody>
+          <a:bodyPr wrap="square">
+            <a:spAutoFit/>
+          </a:bodyPr>
+          <a:lstStyle/>
+          <a:p>
+            <a:r>
+              <a:rPr lang="en-IN" sz="2000" b="1" dirty="0">
+                <a:solidFill>
+                  <a:schemeClr val="accent1"/>
+                </a:solidFill>
+              </a:rPr>
+              <a:t>4. Our database cannot be moved from the site and we need to be able to access it externally using a secure API. Can you explain the architecture of a secure API?</a:t>
+            </a:r>
+            <a:endParaRPr lang="en-IN" b="1" dirty="0">
+              <a:solidFill>
+                <a:schemeClr val="accent1"/>
+              </a:solidFill>
+            </a:endParaRPr>
+          </a:p>
+        </p:txBody>
+      </p:sp>
+    </p:spTree>
+    <p:extLst>
+      <p:ext uri="{BB962C8B-B14F-4D97-AF65-F5344CB8AC3E}">
+        <p14:creationId xmlns:p14="http://schemas.microsoft.com/office/powerpoint/2010/main" val="1555037454"/>
+      </p:ext>
+    </p:extLst>
+  </p:cSld>
+  <p:clrMapOvr>
+    <a:masterClrMapping/>
+  </p:clrMapOvr>
+</p:sld>
+</file>
+
+<file path=ppt/slides/slide13.xml><?xml version="1.0" encoding="utf-8"?>
+<p:sld xmlns:a="http://schemas.openxmlformats.org/drawingml/2006/main" xmlns:r="http://schemas.openxmlformats.org/officeDocument/2006/relationships" xmlns:p="http://schemas.openxmlformats.org/presentationml/2006/main">
+  <p:cSld>
+    <p:spTree>
+      <p:nvGrpSpPr>
+        <p:cNvPr id="1" name=""/>
+        <p:cNvGrpSpPr/>
+        <p:nvPr/>
+      </p:nvGrpSpPr>
+      <p:grpSpPr>
+        <a:xfrm>
+          <a:off x="0" y="0"/>
+          <a:ext cx="0" cy="0"/>
+          <a:chOff x="0" y="0"/>
+          <a:chExt cx="0" cy="0"/>
+        </a:xfrm>
+      </p:grpSpPr>
+      <p:sp>
+        <p:nvSpPr>
+          <p:cNvPr id="8" name="TextBox 7">
+            <a:extLst>
+              <a:ext uri="{FF2B5EF4-FFF2-40B4-BE49-F238E27FC236}">
+                <a16:creationId xmlns:a16="http://schemas.microsoft.com/office/drawing/2014/main" id="{684DAC51-DD74-4AED-B18B-52779B54FE2A}"/>
+              </a:ext>
+            </a:extLst>
+          </p:cNvPr>
+          <p:cNvSpPr txBox="1"/>
+          <p:nvPr/>
+        </p:nvSpPr>
+        <p:spPr>
+          <a:xfrm>
+            <a:off x="746624" y="2911780"/>
+            <a:ext cx="10230680" cy="1938992"/>
+          </a:xfrm>
+          <a:prstGeom prst="rect">
+            <a:avLst/>
+          </a:prstGeom>
+          <a:noFill/>
+        </p:spPr>
+        <p:txBody>
+          <a:bodyPr wrap="square">
+            <a:spAutoFit/>
+          </a:bodyPr>
+          <a:lstStyle/>
+          <a:p>
+            <a:r>
+              <a:rPr lang="en-IN" sz="2000" dirty="0"/>
+              <a:t>Authorization must be taken into account in a secure framework, and the PUT and POST procedures used to enter data into a system or database must be secure so as not to compromise the integrity of the data.</a:t>
+            </a:r>
+          </a:p>
+          <a:p>
+            <a:endParaRPr lang="en-IN" sz="2000" dirty="0"/>
+          </a:p>
+          <a:p>
+            <a:r>
+              <a:rPr lang="en-IN" sz="2000" dirty="0"/>
+              <a:t>To be used in the coding of an app, authentication and authorization must be implemented on a framework.</a:t>
+            </a:r>
+          </a:p>
+        </p:txBody>
+      </p:sp>
+      <p:sp>
+        <p:nvSpPr>
+          <p:cNvPr id="4" name="TextBox 3">
+            <a:extLst>
+              <a:ext uri="{FF2B5EF4-FFF2-40B4-BE49-F238E27FC236}">
+                <a16:creationId xmlns:a16="http://schemas.microsoft.com/office/drawing/2014/main" id="{511262D9-9290-2675-5BA1-3E7C3A01004B}"/>
+              </a:ext>
+            </a:extLst>
+          </p:cNvPr>
+          <p:cNvSpPr txBox="1"/>
+          <p:nvPr/>
+        </p:nvSpPr>
+        <p:spPr>
+          <a:xfrm>
+            <a:off x="1165225" y="1075518"/>
+            <a:ext cx="10376453" cy="400110"/>
+          </a:xfrm>
+          <a:prstGeom prst="rect">
+            <a:avLst/>
+          </a:prstGeom>
+          <a:noFill/>
+        </p:spPr>
+        <p:txBody>
+          <a:bodyPr wrap="square">
+            <a:spAutoFit/>
+          </a:bodyPr>
+          <a:lstStyle/>
+          <a:p>
+            <a:r>
+              <a:rPr lang="en-IN" sz="2000" b="1" dirty="0">
+                <a:solidFill>
+                  <a:schemeClr val="accent1"/>
+                </a:solidFill>
+              </a:rPr>
+              <a:t>5. Can you recommend a secure framework for coding an API?</a:t>
+            </a:r>
+            <a:endParaRPr lang="en-IN" b="1" dirty="0">
+              <a:solidFill>
+                <a:schemeClr val="accent1"/>
+              </a:solidFill>
+            </a:endParaRPr>
+          </a:p>
+        </p:txBody>
+      </p:sp>
+    </p:spTree>
+    <p:extLst>
+      <p:ext uri="{BB962C8B-B14F-4D97-AF65-F5344CB8AC3E}">
+        <p14:creationId xmlns:p14="http://schemas.microsoft.com/office/powerpoint/2010/main" val="676114709"/>
+      </p:ext>
+    </p:extLst>
+  </p:cSld>
+  <p:clrMapOvr>
+    <a:masterClrMapping/>
+  </p:clrMapOvr>
+</p:sld>
+</file>
+
+<file path=ppt/slides/slide14.xml><?xml version="1.0" encoding="utf-8"?>
+<p:sld xmlns:a="http://schemas.openxmlformats.org/drawingml/2006/main" xmlns:r="http://schemas.openxmlformats.org/officeDocument/2006/relationships" xmlns:p="http://schemas.openxmlformats.org/presentationml/2006/main">
+  <p:cSld>
+    <p:spTree>
+      <p:nvGrpSpPr>
+        <p:cNvPr id="1" name=""/>
+        <p:cNvGrpSpPr/>
+        <p:nvPr/>
+      </p:nvGrpSpPr>
+      <p:grpSpPr>
+        <a:xfrm>
+          <a:off x="0" y="0"/>
+          <a:ext cx="0" cy="0"/>
+          <a:chOff x="0" y="0"/>
+          <a:chExt cx="0" cy="0"/>
+        </a:xfrm>
+      </p:grpSpPr>
+      <p:sp>
+        <p:nvSpPr>
+          <p:cNvPr id="5" name="TextBox 4">
+            <a:extLst>
+              <a:ext uri="{FF2B5EF4-FFF2-40B4-BE49-F238E27FC236}">
+                <a16:creationId xmlns:a16="http://schemas.microsoft.com/office/drawing/2014/main" id="{F2161327-AF6F-4D83-B809-264C6FDA3CCB}"/>
+              </a:ext>
+            </a:extLst>
+          </p:cNvPr>
+          <p:cNvSpPr txBox="1"/>
+          <p:nvPr/>
+        </p:nvSpPr>
+        <p:spPr>
+          <a:xfrm>
+            <a:off x="887895" y="2555150"/>
+            <a:ext cx="10005392" cy="2246769"/>
+          </a:xfrm>
+          <a:prstGeom prst="rect">
+            <a:avLst/>
+          </a:prstGeom>
+          <a:noFill/>
+        </p:spPr>
+        <p:txBody>
+          <a:bodyPr wrap="square">
+            <a:spAutoFit/>
+          </a:bodyPr>
+          <a:lstStyle/>
+          <a:p>
+            <a:r>
+              <a:rPr lang="en-IN" sz="2000" dirty="0"/>
+              <a:t>Data can be sent between sites using the Java Script Object Notation (JSON) data interchange format.</a:t>
+            </a:r>
+          </a:p>
+          <a:p>
+            <a:endParaRPr lang="en-IN" sz="2000" dirty="0"/>
+          </a:p>
+          <a:p>
+            <a:r>
+              <a:rPr lang="en-IN" sz="2000" dirty="0"/>
+              <a:t>Despite being a Java script extension, it is independent of the programming language. Writing and parsing it are simple.</a:t>
+            </a:r>
+          </a:p>
+          <a:p>
+            <a:endParaRPr lang="en-IN" sz="2000" dirty="0"/>
+          </a:p>
+          <a:p>
+            <a:r>
+              <a:rPr lang="en-IN" sz="2000" dirty="0"/>
+              <a:t>Because xml files are significantly challenging to write and parse, it was created to replace xml.</a:t>
+            </a:r>
+          </a:p>
+        </p:txBody>
+      </p:sp>
+      <p:sp>
+        <p:nvSpPr>
+          <p:cNvPr id="7" name="TextBox 6">
+            <a:extLst>
+              <a:ext uri="{FF2B5EF4-FFF2-40B4-BE49-F238E27FC236}">
+                <a16:creationId xmlns:a16="http://schemas.microsoft.com/office/drawing/2014/main" id="{57E4389B-EEA5-FD79-6910-2AACCE8CC526}"/>
+              </a:ext>
+            </a:extLst>
+          </p:cNvPr>
+          <p:cNvSpPr txBox="1"/>
+          <p:nvPr/>
+        </p:nvSpPr>
+        <p:spPr>
+          <a:xfrm>
+            <a:off x="419501" y="966137"/>
+            <a:ext cx="10376453" cy="707886"/>
+          </a:xfrm>
+          <a:prstGeom prst="rect">
+            <a:avLst/>
+          </a:prstGeom>
+          <a:noFill/>
+        </p:spPr>
+        <p:txBody>
+          <a:bodyPr wrap="square">
+            <a:spAutoFit/>
+          </a:bodyPr>
+          <a:lstStyle/>
+          <a:p>
+            <a:r>
+              <a:rPr lang="en-IN" sz="2000" b="1" dirty="0">
+                <a:solidFill>
+                  <a:schemeClr val="accent1"/>
+                </a:solidFill>
+              </a:rPr>
+              <a:t>6. What data interchange format should we use while transferring data between locations?</a:t>
+            </a:r>
+            <a:endParaRPr lang="en-IN" b="1" dirty="0">
+              <a:solidFill>
+                <a:schemeClr val="accent1"/>
+              </a:solidFill>
+            </a:endParaRPr>
+          </a:p>
+        </p:txBody>
+      </p:sp>
+    </p:spTree>
+    <p:extLst>
+      <p:ext uri="{BB962C8B-B14F-4D97-AF65-F5344CB8AC3E}">
+        <p14:creationId xmlns:p14="http://schemas.microsoft.com/office/powerpoint/2010/main" val="511112552"/>
+      </p:ext>
+    </p:extLst>
+  </p:cSld>
+  <p:clrMapOvr>
+    <a:masterClrMapping/>
+  </p:clrMapOvr>
+</p:sld>
+</file>
+
+<file path=ppt/slides/slide15.xml><?xml version="1.0" encoding="utf-8"?>
+<p:sld xmlns:a="http://schemas.openxmlformats.org/drawingml/2006/main" xmlns:r="http://schemas.openxmlformats.org/officeDocument/2006/relationships" xmlns:p="http://schemas.openxmlformats.org/presentationml/2006/main">
+  <p:cSld>
+    <p:spTree>
+      <p:nvGrpSpPr>
+        <p:cNvPr id="1" name=""/>
+        <p:cNvGrpSpPr/>
+        <p:nvPr/>
+      </p:nvGrpSpPr>
+      <p:grpSpPr>
+        <a:xfrm>
+          <a:off x="0" y="0"/>
+          <a:ext cx="0" cy="0"/>
+          <a:chOff x="0" y="0"/>
+          <a:chExt cx="0" cy="0"/>
+        </a:xfrm>
+      </p:grpSpPr>
+      <p:sp>
+        <p:nvSpPr>
+          <p:cNvPr id="5" name="TextBox 4">
+            <a:extLst>
+              <a:ext uri="{FF2B5EF4-FFF2-40B4-BE49-F238E27FC236}">
+                <a16:creationId xmlns:a16="http://schemas.microsoft.com/office/drawing/2014/main" id="{D35C3169-A67D-49D5-8276-940218292A2A}"/>
+              </a:ext>
+            </a:extLst>
+          </p:cNvPr>
+          <p:cNvSpPr txBox="1"/>
+          <p:nvPr/>
+        </p:nvSpPr>
+        <p:spPr>
+          <a:xfrm>
+            <a:off x="1094296" y="2613392"/>
+            <a:ext cx="9633337" cy="1631216"/>
+          </a:xfrm>
+          <a:prstGeom prst="rect">
+            <a:avLst/>
+          </a:prstGeom>
+          <a:noFill/>
+        </p:spPr>
+        <p:txBody>
+          <a:bodyPr wrap="square">
+            <a:spAutoFit/>
+          </a:bodyPr>
+          <a:lstStyle/>
+          <a:p>
+            <a:r>
+              <a:rPr lang="en-IN" sz="2000" dirty="0"/>
+              <a:t>We can utilise RDBMS to access the data anytime we need it, and we can replicate the data across numerous servers in various places.</a:t>
+            </a:r>
+          </a:p>
+          <a:p>
+            <a:endParaRPr lang="en-IN" sz="2000" dirty="0"/>
+          </a:p>
+          <a:p>
+            <a:r>
+              <a:rPr lang="en-IN" sz="2000" dirty="0"/>
+              <a:t>Data can be stored in numerous places using Oracle database features like striping and mirroring, for instance. Both easier access and more data security are provided by this.</a:t>
+            </a:r>
+          </a:p>
+        </p:txBody>
+      </p:sp>
+      <p:sp>
+        <p:nvSpPr>
+          <p:cNvPr id="7" name="TextBox 6">
+            <a:extLst>
+              <a:ext uri="{FF2B5EF4-FFF2-40B4-BE49-F238E27FC236}">
+                <a16:creationId xmlns:a16="http://schemas.microsoft.com/office/drawing/2014/main" id="{7BBB538B-C6D5-5A1A-7C12-1FD645746D6B}"/>
+              </a:ext>
+            </a:extLst>
+          </p:cNvPr>
+          <p:cNvSpPr txBox="1"/>
+          <p:nvPr/>
+        </p:nvSpPr>
+        <p:spPr>
+          <a:xfrm>
+            <a:off x="1564720" y="1106756"/>
+            <a:ext cx="10376453" cy="400110"/>
+          </a:xfrm>
+          <a:prstGeom prst="rect">
+            <a:avLst/>
+          </a:prstGeom>
+          <a:noFill/>
+        </p:spPr>
+        <p:txBody>
+          <a:bodyPr wrap="square">
+            <a:spAutoFit/>
+          </a:bodyPr>
+          <a:lstStyle/>
+          <a:p>
+            <a:r>
+              <a:rPr lang="en-IN" sz="2000" b="1" dirty="0">
+                <a:solidFill>
+                  <a:schemeClr val="accent1"/>
+                </a:solidFill>
+              </a:rPr>
+              <a:t>7. How should we store our data in our many locations?</a:t>
+            </a:r>
+            <a:endParaRPr lang="en-IN" b="1" dirty="0">
+              <a:solidFill>
+                <a:schemeClr val="accent1"/>
+              </a:solidFill>
+            </a:endParaRPr>
+          </a:p>
+        </p:txBody>
+      </p:sp>
+    </p:spTree>
+    <p:extLst>
+      <p:ext uri="{BB962C8B-B14F-4D97-AF65-F5344CB8AC3E}">
+        <p14:creationId xmlns:p14="http://schemas.microsoft.com/office/powerpoint/2010/main" val="2674102251"/>
+      </p:ext>
+    </p:extLst>
+  </p:cSld>
+  <p:clrMapOvr>
+    <a:masterClrMapping/>
+  </p:clrMapOvr>
+</p:sld>
+</file>
+
+<file path=ppt/slides/slide16.xml><?xml version="1.0" encoding="utf-8"?>
+<p:sld xmlns:a="http://schemas.openxmlformats.org/drawingml/2006/main" xmlns:r="http://schemas.openxmlformats.org/officeDocument/2006/relationships" xmlns:p="http://schemas.openxmlformats.org/presentationml/2006/main">
+  <p:cSld>
+    <p:spTree>
+      <p:nvGrpSpPr>
+        <p:cNvPr id="1" name=""/>
+        <p:cNvGrpSpPr/>
+        <p:nvPr/>
+      </p:nvGrpSpPr>
+      <p:grpSpPr>
+        <a:xfrm>
+          <a:off x="0" y="0"/>
+          <a:ext cx="0" cy="0"/>
+          <a:chOff x="0" y="0"/>
+          <a:chExt cx="0" cy="0"/>
+        </a:xfrm>
+      </p:grpSpPr>
+      <p:sp>
+        <p:nvSpPr>
           <p:cNvPr id="8" name="TextBox 7">
             <a:extLst>
               <a:ext uri="{FF2B5EF4-FFF2-40B4-BE49-F238E27FC236}">
@@ -10790,7 +11474,7 @@
 </p:sld>
 </file>
 
-<file path=ppt/slides/slide12.xml><?xml version="1.0" encoding="utf-8"?>
+<file path=ppt/slides/slide17.xml><?xml version="1.0" encoding="utf-8"?>
 <p:sld xmlns:a="http://schemas.openxmlformats.org/drawingml/2006/main" xmlns:r="http://schemas.openxmlformats.org/officeDocument/2006/relationships" xmlns:p="http://schemas.openxmlformats.org/presentationml/2006/main">
   <p:cSld>
     <p:spTree>
@@ -10915,8 +11599,8 @@
         </p:nvSpPr>
         <p:spPr>
           <a:xfrm>
-            <a:off x="3055654" y="1925775"/>
-            <a:ext cx="6294782" cy="369332"/>
+            <a:off x="1429305" y="2782669"/>
+            <a:ext cx="8950941" cy="646331"/>
           </a:xfrm>
           <a:prstGeom prst="rect">
             <a:avLst/>
@@ -10930,9 +11614,12 @@
           <a:lstStyle/>
           <a:p>
             <a:r>
-              <a:rPr lang="en-IN" dirty="0"/>
-              <a:t>Video Link : https://youtu.be/1RQzm6-njNw</a:t>
-            </a:r>
+              <a:rPr lang="en-IN" dirty="0">
+                <a:hlinkClick r:id="rId7"/>
+              </a:rPr>
+              <a:t>https://docs.microsoft.com/en-us/aspnet/core/security/authorization/secure-data?view=aspnetcore-6.0</a:t>
+            </a:r>
+            <a:endParaRPr lang="en-IN" dirty="0"/>
           </a:p>
         </p:txBody>
       </p:sp>
@@ -10949,7 +11636,7 @@
 </p:sld>
 </file>
 
-<file path=ppt/slides/slide13.xml><?xml version="1.0" encoding="utf-8"?>
+<file path=ppt/slides/slide18.xml><?xml version="1.0" encoding="utf-8"?>
 <p:sld xmlns:a="http://schemas.openxmlformats.org/drawingml/2006/main" xmlns:r="http://schemas.openxmlformats.org/officeDocument/2006/relationships" xmlns:p="http://schemas.openxmlformats.org/presentationml/2006/main">
   <p:cSld>
     <p:spTree>
@@ -11328,6 +12015,41 @@
 <file path=ppt/slides/slide4.xml><?xml version="1.0" encoding="utf-8"?>
 <p:sld xmlns:a="http://schemas.openxmlformats.org/drawingml/2006/main" xmlns:r="http://schemas.openxmlformats.org/officeDocument/2006/relationships" xmlns:p="http://schemas.openxmlformats.org/presentationml/2006/main">
   <p:cSld>
+    <p:bg>
+      <p:bgPr>
+        <a:gradFill rotWithShape="1">
+          <a:gsLst>
+            <a:gs pos="0">
+              <a:schemeClr val="bg2">
+                <a:tint val="96000"/>
+                <a:shade val="100000"/>
+                <a:hueMod val="270000"/>
+                <a:satMod val="200000"/>
+                <a:lumMod val="128000"/>
+              </a:schemeClr>
+            </a:gs>
+            <a:gs pos="50000">
+              <a:schemeClr val="bg2">
+                <a:shade val="100000"/>
+                <a:hueMod val="100000"/>
+                <a:satMod val="110000"/>
+                <a:lumMod val="130000"/>
+              </a:schemeClr>
+            </a:gs>
+            <a:gs pos="100000">
+              <a:schemeClr val="bg2">
+                <a:shade val="78000"/>
+                <a:hueMod val="44000"/>
+                <a:satMod val="200000"/>
+                <a:lumMod val="69000"/>
+              </a:schemeClr>
+            </a:gs>
+          </a:gsLst>
+          <a:lin ang="2520000" scaled="0"/>
+        </a:gradFill>
+        <a:effectLst/>
+      </p:bgPr>
+    </p:bg>
     <p:spTree>
       <p:nvGrpSpPr>
         <p:cNvPr id="1" name=""/>
@@ -11342,132 +12064,411 @@
           <a:chExt cx="0" cy="0"/>
         </a:xfrm>
       </p:grpSpPr>
-      <p:sp>
-        <p:nvSpPr>
-          <p:cNvPr id="6" name="TextBox 5">
+      <p:sp useBgFill="1">
+        <p:nvSpPr>
+          <p:cNvPr id="8" name="Rectangle 7">
             <a:extLst>
               <a:ext uri="{FF2B5EF4-FFF2-40B4-BE49-F238E27FC236}">
-                <a16:creationId xmlns:a16="http://schemas.microsoft.com/office/drawing/2014/main" id="{3AAD5B7B-65BB-470B-9E07-21C4C88AC261}"/>
+                <a16:creationId xmlns:a16="http://schemas.microsoft.com/office/drawing/2014/main" id="{4B0FA309-807F-4C17-98EF-A3BA7388E213}"/>
+              </a:ext>
+              <a:ext uri="{C183D7F6-B498-43B3-948B-1728B52AA6E4}">
+                <adec:decorative xmlns:adec="http://schemas.microsoft.com/office/drawing/2017/decorative" val="1"/>
               </a:ext>
             </a:extLst>
           </p:cNvPr>
-          <p:cNvSpPr txBox="1"/>
-          <p:nvPr/>
-        </p:nvSpPr>
-        <p:spPr>
-          <a:xfrm>
-            <a:off x="844278" y="1040008"/>
-            <a:ext cx="10376453" cy="400110"/>
+          <p:cNvSpPr>
+            <a:spLocks noGrp="1" noRot="1" noChangeAspect="1" noMove="1" noResize="1" noEditPoints="1" noAdjustHandles="1" noChangeArrowheads="1" noChangeShapeType="1" noTextEdit="1"/>
+          </p:cNvSpPr>
+          <p:nvPr>
+            <p:extLst>
+              <p:ext uri="{386F3935-93C4-4BCD-93E2-E3B085C9AB24}">
+                <p16:designElem xmlns:p16="http://schemas.microsoft.com/office/powerpoint/2015/main" val="1"/>
+              </p:ext>
+            </p:extLst>
+          </p:nvPr>
+        </p:nvSpPr>
+        <p:spPr>
+          <a:xfrm>
+            <a:off x="0" y="0"/>
+            <a:ext cx="12188824" cy="6858000"/>
           </a:xfrm>
           <a:prstGeom prst="rect">
             <a:avLst/>
           </a:prstGeom>
-          <a:noFill/>
-        </p:spPr>
-        <p:txBody>
-          <a:bodyPr wrap="square">
-            <a:spAutoFit/>
+          <a:ln>
+            <a:noFill/>
+          </a:ln>
+        </p:spPr>
+        <p:style>
+          <a:lnRef idx="2">
+            <a:schemeClr val="accent1">
+              <a:shade val="50000"/>
+            </a:schemeClr>
+          </a:lnRef>
+          <a:fillRef idx="1">
+            <a:schemeClr val="accent1"/>
+          </a:fillRef>
+          <a:effectRef idx="0">
+            <a:schemeClr val="accent1"/>
+          </a:effectRef>
+          <a:fontRef idx="minor">
+            <a:schemeClr val="lt1"/>
+          </a:fontRef>
+        </p:style>
+        <p:txBody>
+          <a:bodyPr rtlCol="0" anchor="ctr"/>
+          <a:lstStyle/>
+          <a:p>
+            <a:pPr algn="ctr"/>
+            <a:endParaRPr lang="en-US"/>
+          </a:p>
+        </p:txBody>
+      </p:sp>
+      <p:pic>
+        <p:nvPicPr>
+          <p:cNvPr id="10" name="Picture 9">
+            <a:extLst>
+              <a:ext uri="{FF2B5EF4-FFF2-40B4-BE49-F238E27FC236}">
+                <a16:creationId xmlns:a16="http://schemas.microsoft.com/office/drawing/2014/main" id="{2642A87B-CAE9-4F8F-B293-28388E45D9EE}"/>
+              </a:ext>
+              <a:ext uri="{C183D7F6-B498-43B3-948B-1728B52AA6E4}">
+                <adec:decorative xmlns:adec="http://schemas.microsoft.com/office/drawing/2017/decorative" val="1"/>
+              </a:ext>
+            </a:extLst>
+          </p:cNvPr>
+          <p:cNvPicPr>
+            <a:picLocks noGrp="1" noRot="1" noChangeAspect="1" noMove="1" noResize="1" noEditPoints="1" noAdjustHandles="1" noChangeArrowheads="1" noChangeShapeType="1" noCrop="1"/>
+          </p:cNvPicPr>
+          <p:nvPr>
+            <p:extLst>
+              <p:ext uri="{386F3935-93C4-4BCD-93E2-E3B085C9AB24}">
+                <p16:designElem xmlns:p16="http://schemas.microsoft.com/office/powerpoint/2015/main" val="1"/>
+              </p:ext>
+            </p:extLst>
+          </p:nvPr>
+        </p:nvPicPr>
+        <p:blipFill>
+          <a:blip r:embed="rId2">
+            <a:alphaModFix amt="10000"/>
+            <a:extLst>
+              <a:ext uri="{28A0092B-C50C-407E-A947-70E740481C1C}">
+                <a14:useLocalDpi xmlns:a14="http://schemas.microsoft.com/office/drawing/2010/main" val="0"/>
+              </a:ext>
+            </a:extLst>
+          </a:blip>
+          <a:stretch>
+            <a:fillRect/>
+          </a:stretch>
+        </p:blipFill>
+        <p:spPr>
+          <a:xfrm>
+            <a:off x="0" y="0"/>
+            <a:ext cx="12192000" cy="6858000"/>
+          </a:xfrm>
+          <a:prstGeom prst="rect">
+            <a:avLst/>
+          </a:prstGeom>
+        </p:spPr>
+      </p:pic>
+      <p:sp>
+        <p:nvSpPr>
+          <p:cNvPr id="12" name="Rectangle 11">
+            <a:extLst>
+              <a:ext uri="{FF2B5EF4-FFF2-40B4-BE49-F238E27FC236}">
+                <a16:creationId xmlns:a16="http://schemas.microsoft.com/office/drawing/2014/main" id="{C8FA1749-B91A-40E7-AD01-0B9C9C6AF74E}"/>
+              </a:ext>
+              <a:ext uri="{C183D7F6-B498-43B3-948B-1728B52AA6E4}">
+                <adec:decorative xmlns:adec="http://schemas.microsoft.com/office/drawing/2017/decorative" val="1"/>
+              </a:ext>
+            </a:extLst>
+          </p:cNvPr>
+          <p:cNvSpPr>
+            <a:spLocks noGrp="1" noRot="1" noChangeAspect="1" noMove="1" noResize="1" noEditPoints="1" noAdjustHandles="1" noChangeArrowheads="1" noChangeShapeType="1" noTextEdit="1"/>
+          </p:cNvSpPr>
+          <p:nvPr>
+            <p:extLst>
+              <p:ext uri="{386F3935-93C4-4BCD-93E2-E3B085C9AB24}">
+                <p16:designElem xmlns:p16="http://schemas.microsoft.com/office/powerpoint/2015/main" val="1"/>
+              </p:ext>
+            </p:extLst>
+          </p:nvPr>
+        </p:nvSpPr>
+        <p:spPr>
+          <a:xfrm>
+            <a:off x="4644527" y="0"/>
+            <a:ext cx="7552944" cy="6858001"/>
+          </a:xfrm>
+          <a:prstGeom prst="rect">
+            <a:avLst/>
+          </a:prstGeom>
+          <a:solidFill>
+            <a:schemeClr val="accent1"/>
+          </a:solidFill>
+          <a:ln>
+            <a:noFill/>
+          </a:ln>
+        </p:spPr>
+        <p:style>
+          <a:lnRef idx="2">
+            <a:schemeClr val="accent1">
+              <a:shade val="50000"/>
+            </a:schemeClr>
+          </a:lnRef>
+          <a:fillRef idx="1">
+            <a:schemeClr val="accent1"/>
+          </a:fillRef>
+          <a:effectRef idx="0">
+            <a:schemeClr val="accent1"/>
+          </a:effectRef>
+          <a:fontRef idx="minor">
+            <a:schemeClr val="lt1"/>
+          </a:fontRef>
+        </p:style>
+        <p:txBody>
+          <a:bodyPr rtlCol="0" anchor="ctr"/>
+          <a:lstStyle/>
+          <a:p>
+            <a:pPr algn="ctr"/>
+            <a:endParaRPr lang="en-US"/>
+          </a:p>
+        </p:txBody>
+      </p:sp>
+      <p:pic>
+        <p:nvPicPr>
+          <p:cNvPr id="14" name="Picture 13">
+            <a:extLst>
+              <a:ext uri="{FF2B5EF4-FFF2-40B4-BE49-F238E27FC236}">
+                <a16:creationId xmlns:a16="http://schemas.microsoft.com/office/drawing/2014/main" id="{3B7A934F-FFF7-4353-83D3-4EF66E93EEF8}"/>
+              </a:ext>
+              <a:ext uri="{C183D7F6-B498-43B3-948B-1728B52AA6E4}">
+                <adec:decorative xmlns:adec="http://schemas.microsoft.com/office/drawing/2017/decorative" val="1"/>
+              </a:ext>
+            </a:extLst>
+          </p:cNvPr>
+          <p:cNvPicPr>
+            <a:picLocks noGrp="1" noRot="1" noChangeAspect="1" noMove="1" noResize="1" noEditPoints="1" noAdjustHandles="1" noChangeArrowheads="1" noChangeShapeType="1" noCrop="1"/>
+          </p:cNvPicPr>
+          <p:nvPr>
+            <p:extLst>
+              <p:ext uri="{386F3935-93C4-4BCD-93E2-E3B085C9AB24}">
+                <p16:designElem xmlns:p16="http://schemas.microsoft.com/office/powerpoint/2015/main" val="1"/>
+              </p:ext>
+            </p:extLst>
+          </p:nvPr>
+        </p:nvPicPr>
+        <p:blipFill>
+          <a:blip r:embed="rId3" cstate="print">
+            <a:extLst>
+              <a:ext uri="{28A0092B-C50C-407E-A947-70E740481C1C}">
+                <a14:useLocalDpi xmlns:a14="http://schemas.microsoft.com/office/drawing/2010/main" val="0"/>
+              </a:ext>
+            </a:extLst>
+          </a:blip>
+          <a:stretch>
+            <a:fillRect/>
+          </a:stretch>
+        </p:blipFill>
+        <p:spPr>
+          <a:xfrm>
+            <a:off x="1" y="5006045"/>
+            <a:ext cx="4965192" cy="144668"/>
+          </a:xfrm>
+          <a:prstGeom prst="rect">
+            <a:avLst/>
+          </a:prstGeom>
+        </p:spPr>
+      </p:pic>
+      <p:sp>
+        <p:nvSpPr>
+          <p:cNvPr id="16" name="Rectangle 15">
+            <a:extLst>
+              <a:ext uri="{FF2B5EF4-FFF2-40B4-BE49-F238E27FC236}">
+                <a16:creationId xmlns:a16="http://schemas.microsoft.com/office/drawing/2014/main" id="{700676C8-6DE8-47DD-9A23-D42063A12E10}"/>
+              </a:ext>
+              <a:ext uri="{C183D7F6-B498-43B3-948B-1728B52AA6E4}">
+                <adec:decorative xmlns:adec="http://schemas.microsoft.com/office/drawing/2017/decorative" val="1"/>
+              </a:ext>
+            </a:extLst>
+          </p:cNvPr>
+          <p:cNvSpPr>
+            <a:spLocks noGrp="1" noRot="1" noChangeAspect="1" noMove="1" noResize="1" noEditPoints="1" noAdjustHandles="1" noChangeArrowheads="1" noChangeShapeType="1" noTextEdit="1"/>
+          </p:cNvSpPr>
+          <p:nvPr>
+            <p:extLst>
+              <p:ext uri="{386F3935-93C4-4BCD-93E2-E3B085C9AB24}">
+                <p16:designElem xmlns:p16="http://schemas.microsoft.com/office/powerpoint/2015/main" val="1"/>
+              </p:ext>
+            </p:extLst>
+          </p:nvPr>
+        </p:nvSpPr>
+        <p:spPr>
+          <a:xfrm>
+            <a:off x="-1" y="1838764"/>
+            <a:ext cx="4964567" cy="3180473"/>
+          </a:xfrm>
+          <a:prstGeom prst="rect">
+            <a:avLst/>
+          </a:prstGeom>
+          <a:solidFill>
+            <a:srgbClr val="262626"/>
+          </a:solidFill>
+          <a:ln>
+            <a:noFill/>
+          </a:ln>
+        </p:spPr>
+        <p:style>
+          <a:lnRef idx="2">
+            <a:schemeClr val="accent1">
+              <a:shade val="50000"/>
+            </a:schemeClr>
+          </a:lnRef>
+          <a:fillRef idx="1">
+            <a:schemeClr val="accent1"/>
+          </a:fillRef>
+          <a:effectRef idx="0">
+            <a:schemeClr val="accent1"/>
+          </a:effectRef>
+          <a:fontRef idx="minor">
+            <a:schemeClr val="lt1"/>
+          </a:fontRef>
+        </p:style>
+      </p:sp>
+      <p:sp>
+        <p:nvSpPr>
+          <p:cNvPr id="2" name="Title 1">
+            <a:extLst>
+              <a:ext uri="{FF2B5EF4-FFF2-40B4-BE49-F238E27FC236}">
+                <a16:creationId xmlns:a16="http://schemas.microsoft.com/office/drawing/2014/main" id="{9D3C8D2B-7196-D4E5-3DD0-C17352BE9EF4}"/>
+              </a:ext>
+            </a:extLst>
+          </p:cNvPr>
+          <p:cNvSpPr>
+            <a:spLocks noGrp="1"/>
+          </p:cNvSpPr>
+          <p:nvPr>
+            <p:ph type="title"/>
+          </p:nvPr>
+        </p:nvSpPr>
+        <p:spPr>
+          <a:xfrm>
+            <a:off x="680321" y="2063262"/>
+            <a:ext cx="3739279" cy="2661052"/>
+          </a:xfrm>
+        </p:spPr>
+        <p:txBody>
+          <a:bodyPr>
+            <a:normAutofit/>
           </a:bodyPr>
           <a:lstStyle/>
+          <a:p>
+            <a:pPr algn="r"/>
+            <a:r>
+              <a:rPr lang="en-IN" sz="4100">
+                <a:solidFill>
+                  <a:srgbClr val="FFFFFF"/>
+                </a:solidFill>
+              </a:rPr>
+              <a:t>Part 1 : Demonstration</a:t>
+            </a:r>
+          </a:p>
+        </p:txBody>
+      </p:sp>
+      <p:sp>
+        <p:nvSpPr>
+          <p:cNvPr id="3" name="Content Placeholder 2">
+            <a:extLst>
+              <a:ext uri="{FF2B5EF4-FFF2-40B4-BE49-F238E27FC236}">
+                <a16:creationId xmlns:a16="http://schemas.microsoft.com/office/drawing/2014/main" id="{C62287EB-9AF9-F22E-C94E-749B9D90A761}"/>
+              </a:ext>
+            </a:extLst>
+          </p:cNvPr>
+          <p:cNvSpPr>
+            <a:spLocks noGrp="1"/>
+          </p:cNvSpPr>
+          <p:nvPr>
+            <p:ph idx="1"/>
+          </p:nvPr>
+        </p:nvSpPr>
+        <p:spPr>
+          <a:xfrm>
+            <a:off x="5287995" y="661106"/>
+            <a:ext cx="6257362" cy="5503101"/>
+          </a:xfrm>
+        </p:spPr>
+        <p:txBody>
+          <a:bodyPr anchor="ctr">
+            <a:normAutofit/>
+          </a:bodyPr>
+          <a:lstStyle/>
+          <a:p>
+            <a:r>
+              <a:rPr lang="en-IN" sz="1800" dirty="0">
+                <a:solidFill>
+                  <a:srgbClr val="FFFFFF"/>
+                </a:solidFill>
+              </a:rPr>
+              <a:t>There are 3 major sections in the application,</a:t>
+            </a:r>
+          </a:p>
           <a:p>
             <a:pPr marL="342900" indent="-342900">
               <a:buFont typeface="+mj-lt"/>
               <a:buAutoNum type="arabicPeriod"/>
             </a:pPr>
             <a:r>
-              <a:rPr lang="en-IN" sz="2000" b="1" dirty="0">
+              <a:rPr lang="en-IN" sz="1800" dirty="0">
                 <a:solidFill>
-                  <a:schemeClr val="accent1"/>
+                  <a:srgbClr val="FFFFFF"/>
                 </a:solidFill>
               </a:rPr>
-              <a:t>How can we transfer personal data securely within their network?</a:t>
-            </a:r>
-            <a:r>
-              <a:rPr lang="en-US" b="1" dirty="0">
+              <a:t>Manager: Has access to approve or reject the new and existing user profile after submitting upon reviewing.</a:t>
+            </a:r>
+          </a:p>
+          <a:p>
+            <a:pPr marL="342900" indent="-342900">
+              <a:buFont typeface="+mj-lt"/>
+              <a:buAutoNum type="arabicPeriod"/>
+            </a:pPr>
+            <a:r>
+              <a:rPr lang="en-IN" sz="1800" dirty="0">
                 <a:solidFill>
-                  <a:schemeClr val="accent1"/>
+                  <a:srgbClr val="FFFFFF"/>
                 </a:solidFill>
               </a:rPr>
-              <a:t> </a:t>
-            </a:r>
-            <a:endParaRPr lang="en-IN" b="1" dirty="0">
+              <a:t>Admin: Has access to view the user info and can Edit and Delete the profiles.</a:t>
+            </a:r>
+          </a:p>
+          <a:p>
+            <a:pPr marL="342900" indent="-342900">
+              <a:buFont typeface="+mj-lt"/>
+              <a:buAutoNum type="arabicPeriod"/>
+            </a:pPr>
+            <a:r>
+              <a:rPr lang="en-IN" sz="1800" dirty="0">
+                <a:solidFill>
+                  <a:srgbClr val="FFFFFF"/>
+                </a:solidFill>
+              </a:rPr>
+              <a:t>User: Will be allowed to create and delete the profile, and submit for the Manager’s approval.</a:t>
+            </a:r>
+          </a:p>
+          <a:p>
+            <a:pPr marL="342900" indent="-342900">
+              <a:buFont typeface="+mj-lt"/>
+              <a:buAutoNum type="arabicPeriod"/>
+            </a:pPr>
+            <a:endParaRPr lang="en-IN" sz="1800" dirty="0">
               <a:solidFill>
-                <a:schemeClr val="accent1"/>
+                <a:srgbClr val="FFFFFF"/>
               </a:solidFill>
             </a:endParaRPr>
-          </a:p>
-        </p:txBody>
-      </p:sp>
-      <p:sp>
-        <p:nvSpPr>
-          <p:cNvPr id="8" name="TextBox 7">
-            <a:extLst>
-              <a:ext uri="{FF2B5EF4-FFF2-40B4-BE49-F238E27FC236}">
-                <a16:creationId xmlns:a16="http://schemas.microsoft.com/office/drawing/2014/main" id="{684DAC51-DD74-4AED-B18B-52779B54FE2A}"/>
-              </a:ext>
-            </a:extLst>
-          </p:cNvPr>
-          <p:cNvSpPr txBox="1"/>
-          <p:nvPr/>
-        </p:nvSpPr>
-        <p:spPr>
-          <a:xfrm>
-            <a:off x="765731" y="2672726"/>
-            <a:ext cx="10376453" cy="3416320"/>
-          </a:xfrm>
-          <a:prstGeom prst="rect">
-            <a:avLst/>
-          </a:prstGeom>
-          <a:noFill/>
-        </p:spPr>
-        <p:txBody>
-          <a:bodyPr wrap="square">
-            <a:spAutoFit/>
-          </a:bodyPr>
-          <a:lstStyle/>
-          <a:p>
-            <a:r>
-              <a:rPr lang="en-US" dirty="0"/>
-              <a:t>Best way to transmit data is by encrypting it and is also highly recommended.</a:t>
-            </a:r>
-          </a:p>
-          <a:p>
-            <a:endParaRPr lang="en-US" dirty="0"/>
-          </a:p>
-          <a:p>
-            <a:r>
-              <a:rPr lang="en-IN" dirty="0"/>
-              <a:t>If data needs to be sent securely within a network, the Secure Socket Shell (SSH) protocols can be utilised. The SSH suite of protocols, which includes a complex password and public key authentication, is the best choice for secure data transport.</a:t>
-            </a:r>
-            <a:r>
-              <a:rPr lang="en-US" dirty="0"/>
-              <a:t> </a:t>
-            </a:r>
-          </a:p>
-          <a:p>
-            <a:endParaRPr lang="en-US" dirty="0"/>
-          </a:p>
-          <a:p>
-            <a:r>
-              <a:rPr lang="en-IN" dirty="0"/>
-              <a:t>SSH may be used to securely transport sensitive data across a network because it also offers data encryption.</a:t>
-            </a:r>
-          </a:p>
-          <a:p>
-            <a:endParaRPr lang="en-US" dirty="0"/>
-          </a:p>
-          <a:p>
-            <a:r>
-              <a:rPr lang="en-IN" dirty="0"/>
-              <a:t>Data is transferred securely between parties using JSON Web Tokens (JWT), a JSON encoded form. The focus of JWT is on signed tokens. The data is protected from third parties and its integrity is ensured by the encrypted token.</a:t>
-            </a:r>
           </a:p>
         </p:txBody>
       </p:sp>
     </p:spTree>
     <p:extLst>
       <p:ext uri="{BB962C8B-B14F-4D97-AF65-F5344CB8AC3E}">
-        <p14:creationId xmlns:p14="http://schemas.microsoft.com/office/powerpoint/2010/main" val="3000820004"/>
+        <p14:creationId xmlns:p14="http://schemas.microsoft.com/office/powerpoint/2010/main" val="1450981488"/>
       </p:ext>
     </p:extLst>
   </p:cSld>
@@ -11480,6 +12481,41 @@
 <file path=ppt/slides/slide5.xml><?xml version="1.0" encoding="utf-8"?>
 <p:sld xmlns:a="http://schemas.openxmlformats.org/drawingml/2006/main" xmlns:r="http://schemas.openxmlformats.org/officeDocument/2006/relationships" xmlns:p="http://schemas.openxmlformats.org/presentationml/2006/main">
   <p:cSld>
+    <p:bg>
+      <p:bgPr>
+        <a:gradFill rotWithShape="1">
+          <a:gsLst>
+            <a:gs pos="0">
+              <a:schemeClr val="bg2">
+                <a:tint val="96000"/>
+                <a:shade val="100000"/>
+                <a:hueMod val="270000"/>
+                <a:satMod val="200000"/>
+                <a:lumMod val="128000"/>
+              </a:schemeClr>
+            </a:gs>
+            <a:gs pos="50000">
+              <a:schemeClr val="bg2">
+                <a:shade val="100000"/>
+                <a:hueMod val="100000"/>
+                <a:satMod val="110000"/>
+                <a:lumMod val="130000"/>
+              </a:schemeClr>
+            </a:gs>
+            <a:gs pos="100000">
+              <a:schemeClr val="bg2">
+                <a:shade val="78000"/>
+                <a:hueMod val="44000"/>
+                <a:satMod val="200000"/>
+                <a:lumMod val="69000"/>
+              </a:schemeClr>
+            </a:gs>
+          </a:gsLst>
+          <a:lin ang="2520000" scaled="0"/>
+        </a:gradFill>
+        <a:effectLst/>
+      </p:bgPr>
+    </p:bg>
     <p:spTree>
       <p:nvGrpSpPr>
         <p:cNvPr id="1" name=""/>
@@ -11494,107 +12530,418 @@
           <a:chExt cx="0" cy="0"/>
         </a:xfrm>
       </p:grpSpPr>
-      <p:sp>
-        <p:nvSpPr>
-          <p:cNvPr id="5" name="TextBox 4">
+      <p:grpSp>
+        <p:nvGrpSpPr>
+          <p:cNvPr id="14" name="Group 13">
             <a:extLst>
               <a:ext uri="{FF2B5EF4-FFF2-40B4-BE49-F238E27FC236}">
-                <a16:creationId xmlns:a16="http://schemas.microsoft.com/office/drawing/2014/main" id="{6DDECEF3-2DDC-4FC3-B207-A480235355DD}"/>
+                <a16:creationId xmlns:a16="http://schemas.microsoft.com/office/drawing/2014/main" id="{7D0669C1-CDCE-41C7-A9AB-65D9119F8388}"/>
+              </a:ext>
+              <a:ext uri="{C183D7F6-B498-43B3-948B-1728B52AA6E4}">
+                <adec:decorative xmlns:adec="http://schemas.microsoft.com/office/drawing/2017/decorative" val="1"/>
               </a:ext>
             </a:extLst>
           </p:cNvPr>
-          <p:cNvSpPr txBox="1"/>
-          <p:nvPr/>
-        </p:nvSpPr>
-        <p:spPr>
-          <a:xfrm>
-            <a:off x="861390" y="2698329"/>
-            <a:ext cx="10111408" cy="2246769"/>
+          <p:cNvGrpSpPr>
+            <a:grpSpLocks noGrp="1" noUngrp="1" noRot="1" noChangeAspect="1" noMove="1" noResize="1"/>
+          </p:cNvGrpSpPr>
+          <p:nvPr>
+            <p:extLst>
+              <p:ext uri="{386F3935-93C4-4BCD-93E2-E3B085C9AB24}">
+                <p16:designElem xmlns:p16="http://schemas.microsoft.com/office/powerpoint/2015/main" val="1"/>
+              </p:ext>
+            </p:extLst>
+          </p:nvPr>
+        </p:nvGrpSpPr>
+        <p:grpSpPr>
+          <a:xfrm>
+            <a:off x="-3176" y="0"/>
+            <a:ext cx="12192000" cy="6858001"/>
+            <a:chOff x="-3176" y="0"/>
+            <a:chExt cx="12192000" cy="6858001"/>
+          </a:xfrm>
+        </p:grpSpPr>
+        <p:sp useBgFill="1">
+          <p:nvSpPr>
+            <p:cNvPr id="15" name="Rectangle 14">
+              <a:extLst>
+                <a:ext uri="{FF2B5EF4-FFF2-40B4-BE49-F238E27FC236}">
+                  <a16:creationId xmlns:a16="http://schemas.microsoft.com/office/drawing/2014/main" id="{1F80B4EE-271C-45C6-9338-555D3B0C4A6C}"/>
+                </a:ext>
+                <a:ext uri="{C183D7F6-B498-43B3-948B-1728B52AA6E4}">
+                  <adec:decorative xmlns:adec="http://schemas.microsoft.com/office/drawing/2017/decorative" val="1"/>
+                </a:ext>
+              </a:extLst>
+            </p:cNvPr>
+            <p:cNvSpPr/>
+            <p:nvPr>
+              <p:extLst>
+                <p:ext uri="{386F3935-93C4-4BCD-93E2-E3B085C9AB24}">
+                  <p16:designElem xmlns:p16="http://schemas.microsoft.com/office/powerpoint/2015/main" val="1"/>
+                </p:ext>
+              </p:extLst>
+            </p:nvPr>
+          </p:nvSpPr>
+          <p:spPr>
+            <a:xfrm>
+              <a:off x="0" y="0"/>
+              <a:ext cx="12188824" cy="6858001"/>
+            </a:xfrm>
+            <a:prstGeom prst="rect">
+              <a:avLst/>
+            </a:prstGeom>
+            <a:ln>
+              <a:noFill/>
+            </a:ln>
+          </p:spPr>
+          <p:style>
+            <a:lnRef idx="2">
+              <a:schemeClr val="accent1">
+                <a:shade val="50000"/>
+              </a:schemeClr>
+            </a:lnRef>
+            <a:fillRef idx="1">
+              <a:schemeClr val="accent1"/>
+            </a:fillRef>
+            <a:effectRef idx="0">
+              <a:schemeClr val="accent1"/>
+            </a:effectRef>
+            <a:fontRef idx="minor">
+              <a:schemeClr val="lt1"/>
+            </a:fontRef>
+          </p:style>
+          <p:txBody>
+            <a:bodyPr rtlCol="0" anchor="ctr"/>
+            <a:lstStyle/>
+            <a:p>
+              <a:pPr algn="ctr"/>
+              <a:endParaRPr lang="en-US"/>
+            </a:p>
+          </p:txBody>
+        </p:sp>
+        <p:pic>
+          <p:nvPicPr>
+            <p:cNvPr id="16" name="Picture 15">
+              <a:extLst>
+                <a:ext uri="{FF2B5EF4-FFF2-40B4-BE49-F238E27FC236}">
+                  <a16:creationId xmlns:a16="http://schemas.microsoft.com/office/drawing/2014/main" id="{6FCF3DCC-E585-4F88-8F8B-4EABFEF062C5}"/>
+                </a:ext>
+                <a:ext uri="{C183D7F6-B498-43B3-948B-1728B52AA6E4}">
+                  <adec:decorative xmlns:adec="http://schemas.microsoft.com/office/drawing/2017/decorative" val="1"/>
+                </a:ext>
+              </a:extLst>
+            </p:cNvPr>
+            <p:cNvPicPr>
+              <a:picLocks noChangeAspect="1"/>
+            </p:cNvPicPr>
+            <p:nvPr>
+              <p:extLst>
+                <p:ext uri="{386F3935-93C4-4BCD-93E2-E3B085C9AB24}">
+                  <p16:designElem xmlns:p16="http://schemas.microsoft.com/office/powerpoint/2015/main" val="1"/>
+                </p:ext>
+              </p:extLst>
+            </p:nvPr>
+          </p:nvPicPr>
+          <p:blipFill>
+            <a:blip r:embed="rId2">
+              <a:alphaModFix amt="10000"/>
+              <a:extLst>
+                <a:ext uri="{28A0092B-C50C-407E-A947-70E740481C1C}">
+                  <a14:useLocalDpi xmlns:a14="http://schemas.microsoft.com/office/drawing/2010/main" val="0"/>
+                </a:ext>
+              </a:extLst>
+            </a:blip>
+            <a:stretch>
+              <a:fillRect/>
+            </a:stretch>
+          </p:blipFill>
+          <p:spPr>
+            <a:xfrm>
+              <a:off x="-3176" y="0"/>
+              <a:ext cx="12192000" cy="6858000"/>
+            </a:xfrm>
+            <a:prstGeom prst="rect">
+              <a:avLst/>
+            </a:prstGeom>
+          </p:spPr>
+        </p:pic>
+      </p:grpSp>
+      <p:sp>
+        <p:nvSpPr>
+          <p:cNvPr id="18" name="Rectangle 17">
+            <a:extLst>
+              <a:ext uri="{FF2B5EF4-FFF2-40B4-BE49-F238E27FC236}">
+                <a16:creationId xmlns:a16="http://schemas.microsoft.com/office/drawing/2014/main" id="{F1AACF4D-AF22-463C-97CE-C34F0783C086}"/>
+              </a:ext>
+              <a:ext uri="{C183D7F6-B498-43B3-948B-1728B52AA6E4}">
+                <adec:decorative xmlns:adec="http://schemas.microsoft.com/office/drawing/2017/decorative" val="1"/>
+              </a:ext>
+            </a:extLst>
+          </p:cNvPr>
+          <p:cNvSpPr>
+            <a:spLocks noGrp="1" noRot="1" noChangeAspect="1" noMove="1" noResize="1" noEditPoints="1" noAdjustHandles="1" noChangeArrowheads="1" noChangeShapeType="1" noTextEdit="1"/>
+          </p:cNvSpPr>
+          <p:nvPr>
+            <p:extLst>
+              <p:ext uri="{386F3935-93C4-4BCD-93E2-E3B085C9AB24}">
+                <p16:designElem xmlns:p16="http://schemas.microsoft.com/office/powerpoint/2015/main" val="1"/>
+              </p:ext>
+            </p:extLst>
+          </p:nvPr>
+        </p:nvSpPr>
+        <p:spPr bwMode="grayWhite">
+          <a:xfrm>
+            <a:off x="2" y="609600"/>
+            <a:ext cx="6499753" cy="1368198"/>
           </a:xfrm>
           <a:prstGeom prst="rect">
             <a:avLst/>
           </a:prstGeom>
-          <a:noFill/>
-        </p:spPr>
-        <p:txBody>
-          <a:bodyPr wrap="square">
-            <a:spAutoFit/>
-          </a:bodyPr>
-          <a:lstStyle/>
-          <a:p>
-            <a:r>
-              <a:rPr lang="en-IN" sz="2000" dirty="0"/>
-              <a:t>SFTP is the most popular of all the various protocols for transferring personal data, despite the fact that there are many others.</a:t>
-            </a:r>
-          </a:p>
-          <a:p>
-            <a:endParaRPr lang="en-IN" sz="2000" dirty="0"/>
-          </a:p>
-          <a:p>
-            <a:r>
-              <a:rPr lang="en-IN" sz="2000" dirty="0"/>
-              <a:t>The most secure authentication method, which includes complex passwords and SSH keys, is used by SFTP.</a:t>
-            </a:r>
-          </a:p>
-          <a:p>
-            <a:endParaRPr lang="en-IN" sz="2000" dirty="0"/>
-          </a:p>
-          <a:p>
-            <a:r>
-              <a:rPr lang="en-IN" sz="2000" dirty="0"/>
-              <a:t>An application-level protocol called HTTP enables communication across various systems.</a:t>
-            </a:r>
-          </a:p>
-        </p:txBody>
-      </p:sp>
-      <p:sp>
-        <p:nvSpPr>
-          <p:cNvPr id="7" name="TextBox 6">
+          <a:solidFill>
+            <a:schemeClr val="bg1">
+              <a:lumMod val="85000"/>
+              <a:lumOff val="15000"/>
+            </a:schemeClr>
+          </a:solidFill>
+          <a:ln>
+            <a:noFill/>
+          </a:ln>
+        </p:spPr>
+        <p:style>
+          <a:lnRef idx="2">
+            <a:schemeClr val="accent1">
+              <a:shade val="50000"/>
+            </a:schemeClr>
+          </a:lnRef>
+          <a:fillRef idx="1">
+            <a:schemeClr val="accent1"/>
+          </a:fillRef>
+          <a:effectRef idx="0">
+            <a:schemeClr val="accent1"/>
+          </a:effectRef>
+          <a:fontRef idx="minor">
+            <a:schemeClr val="lt1"/>
+          </a:fontRef>
+        </p:style>
+      </p:sp>
+      <p:sp>
+        <p:nvSpPr>
+          <p:cNvPr id="2" name="Title 1">
             <a:extLst>
               <a:ext uri="{FF2B5EF4-FFF2-40B4-BE49-F238E27FC236}">
-                <a16:creationId xmlns:a16="http://schemas.microsoft.com/office/drawing/2014/main" id="{01E2C534-8642-0B8C-F052-92F2D172041D}"/>
+                <a16:creationId xmlns:a16="http://schemas.microsoft.com/office/drawing/2014/main" id="{42CB8A39-4996-D1BA-E985-2986CEFC5D04}"/>
               </a:ext>
             </a:extLst>
           </p:cNvPr>
-          <p:cNvSpPr txBox="1"/>
-          <p:nvPr/>
-        </p:nvSpPr>
-        <p:spPr>
-          <a:xfrm>
-            <a:off x="907773" y="1111029"/>
-            <a:ext cx="10376453" cy="400110"/>
+          <p:cNvSpPr>
+            <a:spLocks noGrp="1"/>
+          </p:cNvSpPr>
+          <p:nvPr>
+            <p:ph type="title"/>
+          </p:nvPr>
+        </p:nvSpPr>
+        <p:spPr>
+          <a:xfrm>
+            <a:off x="680321" y="753228"/>
+            <a:ext cx="5632247" cy="1080938"/>
+          </a:xfrm>
+        </p:spPr>
+        <p:txBody>
+          <a:bodyPr>
+            <a:normAutofit/>
+          </a:bodyPr>
+          <a:lstStyle/>
+          <a:p>
+            <a:pPr algn="ctr"/>
+            <a:r>
+              <a:rPr lang="en-IN" dirty="0"/>
+              <a:t>Manager</a:t>
+            </a:r>
+          </a:p>
+        </p:txBody>
+      </p:sp>
+      <p:pic>
+        <p:nvPicPr>
+          <p:cNvPr id="20" name="Picture 19">
+            <a:extLst>
+              <a:ext uri="{FF2B5EF4-FFF2-40B4-BE49-F238E27FC236}">
+                <a16:creationId xmlns:a16="http://schemas.microsoft.com/office/drawing/2014/main" id="{6524329A-37E7-4025-B6E9-A97D40536894}"/>
+              </a:ext>
+              <a:ext uri="{C183D7F6-B498-43B3-948B-1728B52AA6E4}">
+                <adec:decorative xmlns:adec="http://schemas.microsoft.com/office/drawing/2017/decorative" val="1"/>
+              </a:ext>
+            </a:extLst>
+          </p:cNvPr>
+          <p:cNvPicPr>
+            <a:picLocks noGrp="1" noRot="1" noChangeAspect="1" noMove="1" noResize="1" noEditPoints="1" noAdjustHandles="1" noChangeArrowheads="1" noChangeShapeType="1" noCrop="1"/>
+          </p:cNvPicPr>
+          <p:nvPr>
+            <p:extLst>
+              <p:ext uri="{386F3935-93C4-4BCD-93E2-E3B085C9AB24}">
+                <p16:designElem xmlns:p16="http://schemas.microsoft.com/office/powerpoint/2015/main" val="1"/>
+              </p:ext>
+            </p:extLst>
+          </p:nvPr>
+        </p:nvPicPr>
+        <p:blipFill>
+          <a:blip r:embed="rId3">
+            <a:extLst>
+              <a:ext uri="{28A0092B-C50C-407E-A947-70E740481C1C}">
+                <a14:useLocalDpi xmlns:a14="http://schemas.microsoft.com/office/drawing/2010/main" val="0"/>
+              </a:ext>
+            </a:extLst>
+          </a:blip>
+          <a:stretch>
+            <a:fillRect/>
+          </a:stretch>
+        </p:blipFill>
+        <p:spPr>
+          <a:xfrm>
+            <a:off x="2" y="1970240"/>
+            <a:ext cx="6492240" cy="261714"/>
           </a:xfrm>
           <a:prstGeom prst="rect">
             <a:avLst/>
           </a:prstGeom>
-          <a:noFill/>
-        </p:spPr>
-        <p:txBody>
-          <a:bodyPr wrap="square">
-            <a:spAutoFit/>
+        </p:spPr>
+      </p:pic>
+      <p:sp>
+        <p:nvSpPr>
+          <p:cNvPr id="11" name="Content Placeholder 10">
+            <a:extLst>
+              <a:ext uri="{FF2B5EF4-FFF2-40B4-BE49-F238E27FC236}">
+                <a16:creationId xmlns:a16="http://schemas.microsoft.com/office/drawing/2014/main" id="{FA8DA751-9C3C-3237-220F-77AE323E0A72}"/>
+              </a:ext>
+            </a:extLst>
+          </p:cNvPr>
+          <p:cNvSpPr>
+            <a:spLocks noGrp="1"/>
+          </p:cNvSpPr>
+          <p:nvPr>
+            <p:ph idx="1"/>
+          </p:nvPr>
+        </p:nvSpPr>
+        <p:spPr>
+          <a:xfrm>
+            <a:off x="680322" y="2336873"/>
+            <a:ext cx="5632246" cy="3599316"/>
+          </a:xfrm>
+        </p:spPr>
+        <p:txBody>
+          <a:bodyPr>
+            <a:normAutofit/>
           </a:bodyPr>
           <a:lstStyle/>
           <a:p>
-            <a:r>
-              <a:rPr lang="en-IN" sz="2000" b="1" dirty="0">
-                <a:solidFill>
-                  <a:schemeClr val="accent1"/>
-                </a:solidFill>
-              </a:rPr>
-              <a:t>2. What security protocol is best for transferring personal files?</a:t>
-            </a:r>
-            <a:endParaRPr lang="en-IN" b="1" dirty="0">
-              <a:solidFill>
-                <a:schemeClr val="accent1"/>
-              </a:solidFill>
-            </a:endParaRPr>
-          </a:p>
-        </p:txBody>
-      </p:sp>
+            <a:pPr marL="457200" indent="-457200">
+              <a:buFont typeface="+mj-lt"/>
+              <a:buAutoNum type="arabicPeriod"/>
+            </a:pPr>
+            <a:r>
+              <a:rPr lang="en-US" sz="2000" dirty="0"/>
+              <a:t>Manager’s dashboard has the list of user, allowing him to view the user profile.</a:t>
+            </a:r>
+          </a:p>
+          <a:p>
+            <a:pPr marL="457200" indent="-457200">
+              <a:buFont typeface="+mj-lt"/>
+              <a:buAutoNum type="arabicPeriod"/>
+            </a:pPr>
+            <a:r>
+              <a:rPr lang="en-US" sz="2000" dirty="0"/>
+              <a:t>After reviewing, the profile will be Accepted or Rejected.</a:t>
+            </a:r>
+          </a:p>
+          <a:p>
+            <a:r>
+              <a:rPr lang="en-US" sz="2000" dirty="0"/>
+              <a:t>manager@contoso.com</a:t>
+            </a:r>
+          </a:p>
+        </p:txBody>
+      </p:sp>
+      <p:pic>
+        <p:nvPicPr>
+          <p:cNvPr id="7" name="Picture 6">
+            <a:extLst>
+              <a:ext uri="{FF2B5EF4-FFF2-40B4-BE49-F238E27FC236}">
+                <a16:creationId xmlns:a16="http://schemas.microsoft.com/office/drawing/2014/main" id="{10559383-D706-A7A2-BF8C-F9FCB49C04DD}"/>
+              </a:ext>
+            </a:extLst>
+          </p:cNvPr>
+          <p:cNvPicPr>
+            <a:picLocks noChangeAspect="1"/>
+          </p:cNvPicPr>
+          <p:nvPr/>
+        </p:nvPicPr>
+        <p:blipFill rotWithShape="1">
+          <a:blip r:embed="rId4"/>
+          <a:srcRect t="19300" r="4" b="11635"/>
+          <a:stretch/>
+        </p:blipFill>
+        <p:spPr>
+          <a:xfrm>
+            <a:off x="6602706" y="3463459"/>
+            <a:ext cx="5187566" cy="3117157"/>
+          </a:xfrm>
+          <a:prstGeom prst="rect">
+            <a:avLst/>
+          </a:prstGeom>
+          <a:ln>
+            <a:noFill/>
+          </a:ln>
+          <a:effectLst>
+            <a:outerShdw blurRad="76200" dist="63500" dir="5040000" algn="tl" rotWithShape="0">
+              <a:srgbClr val="000000">
+                <a:alpha val="41000"/>
+              </a:srgbClr>
+            </a:outerShdw>
+          </a:effectLst>
+        </p:spPr>
+      </p:pic>
+      <p:pic>
+        <p:nvPicPr>
+          <p:cNvPr id="5" name="Content Placeholder 4">
+            <a:extLst>
+              <a:ext uri="{FF2B5EF4-FFF2-40B4-BE49-F238E27FC236}">
+                <a16:creationId xmlns:a16="http://schemas.microsoft.com/office/drawing/2014/main" id="{D3A36DF8-657D-C7AA-10D5-DDA1965E73EC}"/>
+              </a:ext>
+            </a:extLst>
+          </p:cNvPr>
+          <p:cNvPicPr>
+            <a:picLocks noChangeAspect="1"/>
+          </p:cNvPicPr>
+          <p:nvPr/>
+        </p:nvPicPr>
+        <p:blipFill rotWithShape="1">
+          <a:blip r:embed="rId5"/>
+          <a:srcRect r="3662" b="1"/>
+          <a:stretch/>
+        </p:blipFill>
+        <p:spPr>
+          <a:xfrm>
+            <a:off x="6602705" y="190500"/>
+            <a:ext cx="5187567" cy="3015431"/>
+          </a:xfrm>
+          <a:prstGeom prst="rect">
+            <a:avLst/>
+          </a:prstGeom>
+          <a:ln>
+            <a:noFill/>
+          </a:ln>
+          <a:effectLst>
+            <a:outerShdw blurRad="76200" dist="63500" dir="5040000" algn="tl" rotWithShape="0">
+              <a:srgbClr val="000000">
+                <a:alpha val="41000"/>
+              </a:srgbClr>
+            </a:outerShdw>
+          </a:effectLst>
+        </p:spPr>
+      </p:pic>
     </p:spTree>
     <p:extLst>
       <p:ext uri="{BB962C8B-B14F-4D97-AF65-F5344CB8AC3E}">
-        <p14:creationId xmlns:p14="http://schemas.microsoft.com/office/powerpoint/2010/main" val="2423158273"/>
+        <p14:creationId xmlns:p14="http://schemas.microsoft.com/office/powerpoint/2010/main" val="571072189"/>
       </p:ext>
     </p:extLst>
   </p:cSld>
@@ -11623,108 +12970,136 @@
       </p:grpSpPr>
       <p:sp>
         <p:nvSpPr>
-          <p:cNvPr id="5" name="TextBox 4">
+          <p:cNvPr id="2" name="Title 1">
             <a:extLst>
               <a:ext uri="{FF2B5EF4-FFF2-40B4-BE49-F238E27FC236}">
-                <a16:creationId xmlns:a16="http://schemas.microsoft.com/office/drawing/2014/main" id="{D1B9F62B-5A8D-47E1-B3F2-70C25C8C731E}"/>
+                <a16:creationId xmlns:a16="http://schemas.microsoft.com/office/drawing/2014/main" id="{CC754331-4EB9-BED2-4F4B-E37AD461836C}"/>
               </a:ext>
             </a:extLst>
           </p:cNvPr>
-          <p:cNvSpPr txBox="1"/>
+          <p:cNvSpPr>
+            <a:spLocks noGrp="1"/>
+          </p:cNvSpPr>
+          <p:nvPr>
+            <p:ph type="title"/>
+          </p:nvPr>
+        </p:nvSpPr>
+        <p:spPr/>
+        <p:txBody>
+          <a:bodyPr/>
+          <a:lstStyle/>
+          <a:p>
+            <a:pPr algn="ctr"/>
+            <a:r>
+              <a:rPr lang="en-IN" dirty="0"/>
+              <a:t>Admin</a:t>
+            </a:r>
+          </a:p>
+        </p:txBody>
+      </p:sp>
+      <p:sp>
+        <p:nvSpPr>
+          <p:cNvPr id="3" name="Content Placeholder 2">
+            <a:extLst>
+              <a:ext uri="{FF2B5EF4-FFF2-40B4-BE49-F238E27FC236}">
+                <a16:creationId xmlns:a16="http://schemas.microsoft.com/office/drawing/2014/main" id="{BE48CE89-4B71-AA57-DA31-1180889168F1}"/>
+              </a:ext>
+            </a:extLst>
+          </p:cNvPr>
+          <p:cNvSpPr>
+            <a:spLocks noGrp="1"/>
+          </p:cNvSpPr>
+          <p:nvPr>
+            <p:ph idx="1"/>
+          </p:nvPr>
+        </p:nvSpPr>
+        <p:spPr>
+          <a:xfrm>
+            <a:off x="140457" y="2076450"/>
+            <a:ext cx="6702688" cy="1341361"/>
+          </a:xfrm>
+        </p:spPr>
+        <p:txBody>
+          <a:bodyPr/>
+          <a:lstStyle/>
+          <a:p>
+            <a:r>
+              <a:rPr lang="en-IN" dirty="0"/>
+              <a:t>Admin can view, edit and delete the profiles.</a:t>
+            </a:r>
+          </a:p>
+          <a:p>
+            <a:r>
+              <a:rPr lang="en-IN" dirty="0"/>
+              <a:t>admin@contoso.com</a:t>
+            </a:r>
+          </a:p>
+        </p:txBody>
+      </p:sp>
+      <p:pic>
+        <p:nvPicPr>
+          <p:cNvPr id="5" name="Picture 4">
+            <a:extLst>
+              <a:ext uri="{FF2B5EF4-FFF2-40B4-BE49-F238E27FC236}">
+                <a16:creationId xmlns:a16="http://schemas.microsoft.com/office/drawing/2014/main" id="{FFB23FAD-DABB-3FA5-4B9F-2F707284BD9E}"/>
+              </a:ext>
+            </a:extLst>
+          </p:cNvPr>
+          <p:cNvPicPr>
+            <a:picLocks noChangeAspect="1"/>
+          </p:cNvPicPr>
           <p:nvPr/>
-        </p:nvSpPr>
-        <p:spPr>
-          <a:xfrm>
-            <a:off x="1060173" y="2199861"/>
-            <a:ext cx="9886123" cy="2554545"/>
+        </p:nvPicPr>
+        <p:blipFill>
+          <a:blip r:embed="rId2"/>
+          <a:stretch>
+            <a:fillRect/>
+          </a:stretch>
+        </p:blipFill>
+        <p:spPr>
+          <a:xfrm>
+            <a:off x="140457" y="3519722"/>
+            <a:ext cx="6702688" cy="3008225"/>
           </a:xfrm>
           <a:prstGeom prst="rect">
             <a:avLst/>
           </a:prstGeom>
-          <a:noFill/>
-        </p:spPr>
-        <p:txBody>
-          <a:bodyPr wrap="square">
-            <a:spAutoFit/>
-          </a:bodyPr>
-          <a:lstStyle/>
-          <a:p>
-            <a:r>
-              <a:rPr lang="en-IN" sz="2000" dirty="0"/>
-              <a:t>Yes, using various encryption algorithms, photos may be encoded and encrypted.</a:t>
-            </a:r>
-          </a:p>
-          <a:p>
-            <a:endParaRPr lang="en-IN" sz="2000" dirty="0"/>
-          </a:p>
-          <a:p>
-            <a:r>
-              <a:rPr lang="en-IN" sz="2000" dirty="0"/>
-              <a:t>We can utilize third-party encryption technologies that randomly rearrange image pixels in accordance with computational logic, and then at the receiver's end, decode the image using the same logic.</a:t>
-            </a:r>
-          </a:p>
-          <a:p>
-            <a:endParaRPr lang="en-IN" sz="2000" dirty="0"/>
-          </a:p>
-          <a:p>
-            <a:r>
-              <a:rPr lang="en-IN" sz="2000" dirty="0"/>
-              <a:t>Alternately, we might design our own tool using encryption and decryption algorithms.</a:t>
-            </a:r>
-          </a:p>
-          <a:p>
-            <a:endParaRPr lang="en-IN" sz="2000" dirty="0"/>
-          </a:p>
-        </p:txBody>
-      </p:sp>
-      <p:sp>
-        <p:nvSpPr>
-          <p:cNvPr id="7" name="TextBox 6">
+        </p:spPr>
+      </p:pic>
+      <p:pic>
+        <p:nvPicPr>
+          <p:cNvPr id="7" name="Picture 6">
             <a:extLst>
               <a:ext uri="{FF2B5EF4-FFF2-40B4-BE49-F238E27FC236}">
-                <a16:creationId xmlns:a16="http://schemas.microsoft.com/office/drawing/2014/main" id="{78C30FAC-C321-DF4E-A9DB-509AA4794073}"/>
+                <a16:creationId xmlns:a16="http://schemas.microsoft.com/office/drawing/2014/main" id="{59BE96EE-8985-09AA-1431-A4FB2A0C4224}"/>
               </a:ext>
             </a:extLst>
           </p:cNvPr>
-          <p:cNvSpPr txBox="1"/>
+          <p:cNvPicPr>
+            <a:picLocks noChangeAspect="1"/>
+          </p:cNvPicPr>
           <p:nvPr/>
-        </p:nvSpPr>
-        <p:spPr>
-          <a:xfrm>
-            <a:off x="2807594" y="1093274"/>
-            <a:ext cx="10376453" cy="400110"/>
+        </p:nvPicPr>
+        <p:blipFill>
+          <a:blip r:embed="rId3"/>
+          <a:stretch>
+            <a:fillRect/>
+          </a:stretch>
+        </p:blipFill>
+        <p:spPr>
+          <a:xfrm>
+            <a:off x="6923049" y="1834166"/>
+            <a:ext cx="5128494" cy="4895850"/>
           </a:xfrm>
           <a:prstGeom prst="rect">
             <a:avLst/>
           </a:prstGeom>
-          <a:noFill/>
-        </p:spPr>
-        <p:txBody>
-          <a:bodyPr wrap="square">
-            <a:spAutoFit/>
-          </a:bodyPr>
-          <a:lstStyle/>
-          <a:p>
-            <a:r>
-              <a:rPr lang="en-IN" sz="2000" b="1" dirty="0">
-                <a:solidFill>
-                  <a:schemeClr val="accent1"/>
-                </a:solidFill>
-              </a:rPr>
-              <a:t>3. Can we encode and encrypt images?</a:t>
-            </a:r>
-            <a:endParaRPr lang="en-IN" b="1" dirty="0">
-              <a:solidFill>
-                <a:schemeClr val="accent1"/>
-              </a:solidFill>
-            </a:endParaRPr>
-          </a:p>
-        </p:txBody>
-      </p:sp>
+        </p:spPr>
+      </p:pic>
     </p:spTree>
     <p:extLst>
       <p:ext uri="{BB962C8B-B14F-4D97-AF65-F5344CB8AC3E}">
-        <p14:creationId xmlns:p14="http://schemas.microsoft.com/office/powerpoint/2010/main" val="285387217"/>
+        <p14:creationId xmlns:p14="http://schemas.microsoft.com/office/powerpoint/2010/main" val="1293650094"/>
       </p:ext>
     </p:extLst>
   </p:cSld>
@@ -11753,97 +13128,138 @@
       </p:grpSpPr>
       <p:sp>
         <p:nvSpPr>
-          <p:cNvPr id="8" name="TextBox 7">
+          <p:cNvPr id="2" name="Title 1">
             <a:extLst>
               <a:ext uri="{FF2B5EF4-FFF2-40B4-BE49-F238E27FC236}">
-                <a16:creationId xmlns:a16="http://schemas.microsoft.com/office/drawing/2014/main" id="{684DAC51-DD74-4AED-B18B-52779B54FE2A}"/>
+                <a16:creationId xmlns:a16="http://schemas.microsoft.com/office/drawing/2014/main" id="{3A9AB8F7-A25D-783B-7539-C0B67E73C49A}"/>
               </a:ext>
             </a:extLst>
           </p:cNvPr>
-          <p:cNvSpPr txBox="1"/>
+          <p:cNvSpPr>
+            <a:spLocks noGrp="1"/>
+          </p:cNvSpPr>
+          <p:nvPr>
+            <p:ph type="title"/>
+          </p:nvPr>
+        </p:nvSpPr>
+        <p:spPr/>
+        <p:txBody>
+          <a:bodyPr/>
+          <a:lstStyle/>
+          <a:p>
+            <a:pPr algn="ctr"/>
+            <a:r>
+              <a:rPr lang="en-IN" dirty="0"/>
+              <a:t>User</a:t>
+            </a:r>
+          </a:p>
+        </p:txBody>
+      </p:sp>
+      <p:sp>
+        <p:nvSpPr>
+          <p:cNvPr id="3" name="Content Placeholder 2">
+            <a:extLst>
+              <a:ext uri="{FF2B5EF4-FFF2-40B4-BE49-F238E27FC236}">
+                <a16:creationId xmlns:a16="http://schemas.microsoft.com/office/drawing/2014/main" id="{911A23DD-94CF-C2C6-55FB-D19BF4915B0D}"/>
+              </a:ext>
+            </a:extLst>
+          </p:cNvPr>
+          <p:cNvSpPr>
+            <a:spLocks noGrp="1"/>
+          </p:cNvSpPr>
+          <p:nvPr>
+            <p:ph idx="1"/>
+          </p:nvPr>
+        </p:nvSpPr>
+        <p:spPr>
+          <a:xfrm>
+            <a:off x="125349" y="2085975"/>
+            <a:ext cx="6218302" cy="981075"/>
+          </a:xfrm>
+        </p:spPr>
+        <p:txBody>
+          <a:bodyPr>
+            <a:normAutofit fontScale="92500" lnSpcReduction="20000"/>
+          </a:bodyPr>
+          <a:lstStyle/>
+          <a:p>
+            <a:r>
+              <a:rPr lang="en-IN" dirty="0"/>
+              <a:t>Users are allowed to create there profiles and submit.</a:t>
+            </a:r>
+          </a:p>
+          <a:p>
+            <a:r>
+              <a:rPr lang="en-IN" dirty="0"/>
+              <a:t>test@example.com</a:t>
+            </a:r>
+          </a:p>
+        </p:txBody>
+      </p:sp>
+      <p:pic>
+        <p:nvPicPr>
+          <p:cNvPr id="5" name="Picture 4">
+            <a:extLst>
+              <a:ext uri="{FF2B5EF4-FFF2-40B4-BE49-F238E27FC236}">
+                <a16:creationId xmlns:a16="http://schemas.microsoft.com/office/drawing/2014/main" id="{AF253D5C-FAA1-7140-B47E-370F6C53A7A8}"/>
+              </a:ext>
+            </a:extLst>
+          </p:cNvPr>
+          <p:cNvPicPr>
+            <a:picLocks noChangeAspect="1"/>
+          </p:cNvPicPr>
           <p:nvPr/>
-        </p:nvSpPr>
-        <p:spPr>
-          <a:xfrm>
-            <a:off x="622336" y="3249647"/>
-            <a:ext cx="10230680" cy="1631216"/>
+        </p:nvPicPr>
+        <p:blipFill>
+          <a:blip r:embed="rId2"/>
+          <a:stretch>
+            <a:fillRect/>
+          </a:stretch>
+        </p:blipFill>
+        <p:spPr>
+          <a:xfrm>
+            <a:off x="125349" y="3139091"/>
+            <a:ext cx="6218301" cy="3511627"/>
           </a:xfrm>
           <a:prstGeom prst="rect">
             <a:avLst/>
           </a:prstGeom>
-          <a:noFill/>
-        </p:spPr>
-        <p:txBody>
-          <a:bodyPr wrap="square">
-            <a:spAutoFit/>
-          </a:bodyPr>
-          <a:lstStyle/>
-          <a:p>
-            <a:r>
-              <a:rPr lang="en-IN" sz="2000" dirty="0"/>
-              <a:t>If we need to use an external API to access the database, we must ensure that our data is being accessed correctly and is secure against unauthorised access.</a:t>
-            </a:r>
-          </a:p>
-          <a:p>
-            <a:r>
-              <a:rPr lang="en-IN" sz="2000" dirty="0"/>
-              <a:t>Our backend and frontend work can be securely relocated using a cloud service thanks to the architecture used for a secure API.</a:t>
-            </a:r>
-            <a:endParaRPr lang="en-US" sz="2000" dirty="0"/>
-          </a:p>
-          <a:p>
-            <a:endParaRPr lang="en-IN" sz="2000" dirty="0"/>
-          </a:p>
-        </p:txBody>
-      </p:sp>
-      <p:sp>
-        <p:nvSpPr>
-          <p:cNvPr id="4" name="TextBox 3">
+        </p:spPr>
+      </p:pic>
+      <p:pic>
+        <p:nvPicPr>
+          <p:cNvPr id="7" name="Picture 6">
             <a:extLst>
               <a:ext uri="{FF2B5EF4-FFF2-40B4-BE49-F238E27FC236}">
-                <a16:creationId xmlns:a16="http://schemas.microsoft.com/office/drawing/2014/main" id="{4E165B04-9E6E-9F46-0AC3-D1D286329330}"/>
+                <a16:creationId xmlns:a16="http://schemas.microsoft.com/office/drawing/2014/main" id="{436FB248-3720-47E6-EF73-34B4087F62E6}"/>
               </a:ext>
             </a:extLst>
           </p:cNvPr>
-          <p:cNvSpPr txBox="1"/>
+          <p:cNvPicPr>
+            <a:picLocks noChangeAspect="1"/>
+          </p:cNvPicPr>
           <p:nvPr/>
-        </p:nvSpPr>
-        <p:spPr>
-          <a:xfrm>
-            <a:off x="126538" y="968986"/>
-            <a:ext cx="10376453" cy="707886"/>
+        </p:nvPicPr>
+        <p:blipFill>
+          <a:blip r:embed="rId3"/>
+          <a:stretch>
+            <a:fillRect/>
+          </a:stretch>
+        </p:blipFill>
+        <p:spPr>
+          <a:xfrm>
+            <a:off x="6476084" y="1865290"/>
+            <a:ext cx="5590568" cy="4785428"/>
           </a:xfrm>
           <a:prstGeom prst="rect">
             <a:avLst/>
           </a:prstGeom>
-          <a:noFill/>
-        </p:spPr>
-        <p:txBody>
-          <a:bodyPr wrap="square">
-            <a:spAutoFit/>
-          </a:bodyPr>
-          <a:lstStyle/>
-          <a:p>
-            <a:r>
-              <a:rPr lang="en-IN" sz="2000" b="1" dirty="0">
-                <a:solidFill>
-                  <a:schemeClr val="accent1"/>
-                </a:solidFill>
-              </a:rPr>
-              <a:t>4. Our database cannot be moved from the site and we need to be able to access it externally using a secure API. Can you explain the architecture of a secure API?</a:t>
-            </a:r>
-            <a:endParaRPr lang="en-IN" b="1" dirty="0">
-              <a:solidFill>
-                <a:schemeClr val="accent1"/>
-              </a:solidFill>
-            </a:endParaRPr>
-          </a:p>
-        </p:txBody>
-      </p:sp>
+        </p:spPr>
+      </p:pic>
     </p:spTree>
     <p:extLst>
       <p:ext uri="{BB962C8B-B14F-4D97-AF65-F5344CB8AC3E}">
-        <p14:creationId xmlns:p14="http://schemas.microsoft.com/office/powerpoint/2010/main" val="1555037454"/>
+        <p14:creationId xmlns:p14="http://schemas.microsoft.com/office/powerpoint/2010/main" val="2631636467"/>
       </p:ext>
     </p:extLst>
   </p:cSld>
@@ -11872,96 +13288,110 @@
       </p:grpSpPr>
       <p:sp>
         <p:nvSpPr>
-          <p:cNvPr id="8" name="TextBox 7">
+          <p:cNvPr id="2" name="Title 1">
             <a:extLst>
               <a:ext uri="{FF2B5EF4-FFF2-40B4-BE49-F238E27FC236}">
-                <a16:creationId xmlns:a16="http://schemas.microsoft.com/office/drawing/2014/main" id="{684DAC51-DD74-4AED-B18B-52779B54FE2A}"/>
+                <a16:creationId xmlns:a16="http://schemas.microsoft.com/office/drawing/2014/main" id="{5E8B923F-5221-3D4F-20D2-225BB2B043FA}"/>
               </a:ext>
             </a:extLst>
           </p:cNvPr>
-          <p:cNvSpPr txBox="1"/>
-          <p:nvPr/>
-        </p:nvSpPr>
-        <p:spPr>
-          <a:xfrm>
-            <a:off x="746624" y="2911780"/>
-            <a:ext cx="10230680" cy="1938992"/>
-          </a:xfrm>
-          <a:prstGeom prst="rect">
-            <a:avLst/>
-          </a:prstGeom>
-          <a:noFill/>
-        </p:spPr>
-        <p:txBody>
-          <a:bodyPr wrap="square">
-            <a:spAutoFit/>
-          </a:bodyPr>
+          <p:cNvSpPr>
+            <a:spLocks noGrp="1"/>
+          </p:cNvSpPr>
+          <p:nvPr>
+            <p:ph type="title"/>
+          </p:nvPr>
+        </p:nvSpPr>
+        <p:spPr/>
+        <p:txBody>
+          <a:bodyPr/>
           <a:lstStyle/>
           <a:p>
-            <a:r>
-              <a:rPr lang="en-IN" sz="2000" dirty="0"/>
-              <a:t>Authorization must be taken into account in a secure framework, and the PUT and POST procedures used to enter data into a system or database must be secure so as not to compromise the integrity of the data.</a:t>
-            </a:r>
-          </a:p>
-          <a:p>
-            <a:endParaRPr lang="en-IN" sz="2000" dirty="0"/>
-          </a:p>
-          <a:p>
-            <a:r>
-              <a:rPr lang="en-IN" sz="2000" dirty="0"/>
-              <a:t>To be used in the coding of an app, authentication and authorization must be implemented on a framework.</a:t>
-            </a:r>
-          </a:p>
-        </p:txBody>
-      </p:sp>
-      <p:sp>
-        <p:nvSpPr>
-          <p:cNvPr id="4" name="TextBox 3">
+            <a:pPr algn="ctr"/>
+            <a:r>
+              <a:rPr lang="en-IN" dirty="0"/>
+              <a:t>Git-Repo</a:t>
+            </a:r>
+          </a:p>
+        </p:txBody>
+      </p:sp>
+      <p:sp>
+        <p:nvSpPr>
+          <p:cNvPr id="3" name="Content Placeholder 2">
             <a:extLst>
               <a:ext uri="{FF2B5EF4-FFF2-40B4-BE49-F238E27FC236}">
-                <a16:creationId xmlns:a16="http://schemas.microsoft.com/office/drawing/2014/main" id="{511262D9-9290-2675-5BA1-3E7C3A01004B}"/>
+                <a16:creationId xmlns:a16="http://schemas.microsoft.com/office/drawing/2014/main" id="{09F3D05A-E7D3-A5A0-69C5-19717566A89D}"/>
               </a:ext>
             </a:extLst>
           </p:cNvPr>
-          <p:cNvSpPr txBox="1"/>
-          <p:nvPr/>
-        </p:nvSpPr>
-        <p:spPr>
-          <a:xfrm>
-            <a:off x="1165225" y="1075518"/>
-            <a:ext cx="10376453" cy="400110"/>
-          </a:xfrm>
-          <a:prstGeom prst="rect">
-            <a:avLst/>
-          </a:prstGeom>
-          <a:noFill/>
-        </p:spPr>
-        <p:txBody>
-          <a:bodyPr wrap="square">
-            <a:spAutoFit/>
-          </a:bodyPr>
+          <p:cNvSpPr>
+            <a:spLocks noGrp="1"/>
+          </p:cNvSpPr>
+          <p:nvPr>
+            <p:ph idx="1"/>
+          </p:nvPr>
+        </p:nvSpPr>
+        <p:spPr/>
+        <p:txBody>
+          <a:bodyPr/>
           <a:lstStyle/>
           <a:p>
-            <a:r>
-              <a:rPr lang="en-IN" sz="2000" b="1" dirty="0">
-                <a:solidFill>
-                  <a:schemeClr val="accent1"/>
-                </a:solidFill>
+            <a:pPr marL="0" indent="0">
+              <a:buNone/>
+            </a:pPr>
+            <a:r>
+              <a:rPr lang="en-IN" sz="2400" dirty="0"/>
+              <a:t>Please refer the below link to access the code for </a:t>
+            </a:r>
+            <a:r>
+              <a:rPr lang="en-IN" sz="2400" dirty="0" err="1"/>
+              <a:t>ContactManager</a:t>
+            </a:r>
+            <a:r>
+              <a:rPr lang="en-IN" sz="2400" dirty="0"/>
+              <a:t>.</a:t>
+            </a:r>
+          </a:p>
+          <a:p>
+            <a:pPr marL="0" indent="0">
+              <a:buNone/>
+            </a:pPr>
+            <a:endParaRPr lang="en-IN" dirty="0">
+              <a:hlinkClick r:id="rId2"/>
+            </a:endParaRPr>
+          </a:p>
+          <a:p>
+            <a:pPr marL="0" indent="0">
+              <a:buNone/>
+            </a:pPr>
+            <a:endParaRPr lang="en-IN" dirty="0">
+              <a:hlinkClick r:id="rId2"/>
+            </a:endParaRPr>
+          </a:p>
+          <a:p>
+            <a:pPr marL="0" indent="0">
+              <a:buNone/>
+            </a:pPr>
+            <a:r>
+              <a:rPr lang="en-IN" dirty="0">
+                <a:hlinkClick r:id="rId2"/>
               </a:rPr>
-              <a:t>5. Can you recommend a secure framework for coding an API?</a:t>
-            </a:r>
-            <a:endParaRPr lang="en-IN" b="1" dirty="0">
-              <a:solidFill>
-                <a:schemeClr val="accent1"/>
-              </a:solidFill>
-            </a:endParaRPr>
+              <a:t>https://github.com/SeshaSaiG/Information-Encoding-Standard/tree/main/ContactManager</a:t>
+            </a:r>
+            <a:endParaRPr lang="en-IN" dirty="0"/>
+          </a:p>
+          <a:p>
+            <a:pPr marL="0" indent="0">
+              <a:buNone/>
+            </a:pPr>
+            <a:endParaRPr lang="en-IN" dirty="0"/>
           </a:p>
         </p:txBody>
       </p:sp>
     </p:spTree>
     <p:extLst>
       <p:ext uri="{BB962C8B-B14F-4D97-AF65-F5344CB8AC3E}">
-        <p14:creationId xmlns:p14="http://schemas.microsoft.com/office/powerpoint/2010/main" val="676114709"/>
+        <p14:creationId xmlns:p14="http://schemas.microsoft.com/office/powerpoint/2010/main" val="3311086874"/>
       </p:ext>
     </p:extLst>
   </p:cSld>
@@ -11990,10 +13420,10 @@
       </p:grpSpPr>
       <p:sp>
         <p:nvSpPr>
-          <p:cNvPr id="5" name="TextBox 4">
+          <p:cNvPr id="6" name="TextBox 5">
             <a:extLst>
               <a:ext uri="{FF2B5EF4-FFF2-40B4-BE49-F238E27FC236}">
-                <a16:creationId xmlns:a16="http://schemas.microsoft.com/office/drawing/2014/main" id="{F2161327-AF6F-4D83-B809-264C6FDA3CCB}"/>
+                <a16:creationId xmlns:a16="http://schemas.microsoft.com/office/drawing/2014/main" id="{3AAD5B7B-65BB-470B-9E07-21C4C88AC261}"/>
               </a:ext>
             </a:extLst>
           </p:cNvPr>
@@ -12002,8 +13432,8 @@
         </p:nvSpPr>
         <p:spPr>
           <a:xfrm>
-            <a:off x="887895" y="2555150"/>
-            <a:ext cx="10005392" cy="2246769"/>
+            <a:off x="844278" y="1040008"/>
+            <a:ext cx="10376453" cy="400110"/>
           </a:xfrm>
           <a:prstGeom prst="rect">
             <a:avLst/>
@@ -12016,37 +13446,40 @@
           </a:bodyPr>
           <a:lstStyle/>
           <a:p>
-            <a:r>
-              <a:rPr lang="en-IN" sz="2000" dirty="0"/>
-              <a:t>Data can be sent between sites using the Java Script Object Notation (JSON) data interchange format.</a:t>
-            </a:r>
-          </a:p>
-          <a:p>
-            <a:endParaRPr lang="en-IN" sz="2000" dirty="0"/>
-          </a:p>
-          <a:p>
-            <a:r>
-              <a:rPr lang="en-IN" sz="2000" dirty="0"/>
-              <a:t>Despite being a Java script extension, it is independent of the programming language. Writing and parsing it are simple.</a:t>
-            </a:r>
-          </a:p>
-          <a:p>
-            <a:endParaRPr lang="en-IN" sz="2000" dirty="0"/>
-          </a:p>
-          <a:p>
-            <a:r>
-              <a:rPr lang="en-IN" sz="2000" dirty="0"/>
-              <a:t>Because xml files are significantly challenging to write and parse, it was created to replace xml.</a:t>
-            </a:r>
-          </a:p>
-        </p:txBody>
-      </p:sp>
-      <p:sp>
-        <p:nvSpPr>
-          <p:cNvPr id="7" name="TextBox 6">
+            <a:pPr marL="342900" indent="-342900">
+              <a:buFont typeface="+mj-lt"/>
+              <a:buAutoNum type="arabicPeriod"/>
+            </a:pPr>
+            <a:r>
+              <a:rPr lang="en-IN" sz="2000" b="1" dirty="0">
+                <a:solidFill>
+                  <a:schemeClr val="accent1"/>
+                </a:solidFill>
+              </a:rPr>
+              <a:t>How can we transfer personal data securely within their network?</a:t>
+            </a:r>
+            <a:r>
+              <a:rPr lang="en-US" b="1" dirty="0">
+                <a:solidFill>
+                  <a:schemeClr val="accent1"/>
+                </a:solidFill>
+              </a:rPr>
+              <a:t> </a:t>
+            </a:r>
+            <a:endParaRPr lang="en-IN" b="1" dirty="0">
+              <a:solidFill>
+                <a:schemeClr val="accent1"/>
+              </a:solidFill>
+            </a:endParaRPr>
+          </a:p>
+        </p:txBody>
+      </p:sp>
+      <p:sp>
+        <p:nvSpPr>
+          <p:cNvPr id="8" name="TextBox 7">
             <a:extLst>
               <a:ext uri="{FF2B5EF4-FFF2-40B4-BE49-F238E27FC236}">
-                <a16:creationId xmlns:a16="http://schemas.microsoft.com/office/drawing/2014/main" id="{57E4389B-EEA5-FD79-6910-2AACCE8CC526}"/>
+                <a16:creationId xmlns:a16="http://schemas.microsoft.com/office/drawing/2014/main" id="{684DAC51-DD74-4AED-B18B-52779B54FE2A}"/>
               </a:ext>
             </a:extLst>
           </p:cNvPr>
@@ -12055,8 +13488,8 @@
         </p:nvSpPr>
         <p:spPr>
           <a:xfrm>
-            <a:off x="419501" y="966137"/>
-            <a:ext cx="10376453" cy="707886"/>
+            <a:off x="765731" y="2672726"/>
+            <a:ext cx="10376453" cy="3416320"/>
           </a:xfrm>
           <a:prstGeom prst="rect">
             <a:avLst/>
@@ -12070,25 +13503,47 @@
           <a:lstStyle/>
           <a:p>
             <a:r>
-              <a:rPr lang="en-IN" sz="2000" b="1" dirty="0">
-                <a:solidFill>
-                  <a:schemeClr val="accent1"/>
-                </a:solidFill>
-              </a:rPr>
-              <a:t>6. What data interchange format should we use while transferring data between locations?</a:t>
-            </a:r>
-            <a:endParaRPr lang="en-IN" b="1" dirty="0">
-              <a:solidFill>
-                <a:schemeClr val="accent1"/>
-              </a:solidFill>
-            </a:endParaRPr>
+              <a:rPr lang="en-US" dirty="0"/>
+              <a:t>Best way to transmit data is by encrypting it and is also highly recommended.</a:t>
+            </a:r>
+          </a:p>
+          <a:p>
+            <a:endParaRPr lang="en-US" dirty="0"/>
+          </a:p>
+          <a:p>
+            <a:r>
+              <a:rPr lang="en-IN" dirty="0"/>
+              <a:t>If data needs to be sent securely within a network, the Secure Socket Shell (SSH) protocols can be utilised. The SSH suite of protocols, which includes a complex password and public key authentication, is the best choice for secure data transport.</a:t>
+            </a:r>
+            <a:r>
+              <a:rPr lang="en-US" dirty="0"/>
+              <a:t> </a:t>
+            </a:r>
+          </a:p>
+          <a:p>
+            <a:endParaRPr lang="en-US" dirty="0"/>
+          </a:p>
+          <a:p>
+            <a:r>
+              <a:rPr lang="en-IN" dirty="0"/>
+              <a:t>SSH may be used to securely transport sensitive data across a network because it also offers data encryption.</a:t>
+            </a:r>
+          </a:p>
+          <a:p>
+            <a:endParaRPr lang="en-US" dirty="0"/>
+          </a:p>
+          <a:p>
+            <a:r>
+              <a:rPr lang="en-IN" dirty="0"/>
+              <a:t>Data is transferred securely between parties using JSON Web Tokens (JWT), a JSON encoded form. The focus of JWT is on signed tokens. The data is protected from third parties and its integrity is ensured by the encrypted token.</a:t>
+            </a:r>
           </a:p>
         </p:txBody>
       </p:sp>
     </p:spTree>
     <p:extLst>
       <p:ext uri="{BB962C8B-B14F-4D97-AF65-F5344CB8AC3E}">
-        <p14:creationId xmlns:p14="http://schemas.microsoft.com/office/powerpoint/2010/main" val="511112552"/>
+        <p14:creationId xmlns:p14="http://schemas.microsoft.com/office/powerpoint/2010/main" val="3000820004"/>
       </p:ext>
     </p:extLst>
   </p:cSld>
